--- a/presentation/SAC.pptx
+++ b/presentation/SAC.pptx
@@ -5,7 +5,7 @@
     <p:sldMasterId id="2147483859" r:id="rId1"/>
   </p:sldMasterIdLst>
   <p:notesMasterIdLst>
-    <p:notesMasterId r:id="rId35"/>
+    <p:notesMasterId r:id="rId50"/>
   </p:notesMasterIdLst>
   <p:sldIdLst>
     <p:sldId id="256" r:id="rId2"/>
@@ -34,13 +34,28 @@
     <p:sldId id="297" r:id="rId25"/>
     <p:sldId id="298" r:id="rId26"/>
     <p:sldId id="293" r:id="rId27"/>
-    <p:sldId id="294" r:id="rId28"/>
-    <p:sldId id="295" r:id="rId29"/>
-    <p:sldId id="299" r:id="rId30"/>
-    <p:sldId id="286" r:id="rId31"/>
-    <p:sldId id="276" r:id="rId32"/>
-    <p:sldId id="277" r:id="rId33"/>
-    <p:sldId id="268" r:id="rId34"/>
+    <p:sldId id="295" r:id="rId28"/>
+    <p:sldId id="299" r:id="rId29"/>
+    <p:sldId id="286" r:id="rId30"/>
+    <p:sldId id="276" r:id="rId31"/>
+    <p:sldId id="277" r:id="rId32"/>
+    <p:sldId id="268" r:id="rId33"/>
+    <p:sldId id="301" r:id="rId34"/>
+    <p:sldId id="316" r:id="rId35"/>
+    <p:sldId id="302" r:id="rId36"/>
+    <p:sldId id="303" r:id="rId37"/>
+    <p:sldId id="304" r:id="rId38"/>
+    <p:sldId id="305" r:id="rId39"/>
+    <p:sldId id="306" r:id="rId40"/>
+    <p:sldId id="307" r:id="rId41"/>
+    <p:sldId id="308" r:id="rId42"/>
+    <p:sldId id="309" r:id="rId43"/>
+    <p:sldId id="310" r:id="rId44"/>
+    <p:sldId id="311" r:id="rId45"/>
+    <p:sldId id="312" r:id="rId46"/>
+    <p:sldId id="313" r:id="rId47"/>
+    <p:sldId id="314" r:id="rId48"/>
+    <p:sldId id="315" r:id="rId49"/>
   </p:sldIdLst>
   <p:sldSz cx="12192000" cy="6858000"/>
   <p:notesSz cx="6858000" cy="9144000"/>
@@ -229,7 +244,7 @@
           <a:p>
             <a:fld id="{1AEF5CC7-BF03-CC47-9D99-7644616DAA77}" type="datetimeFigureOut">
               <a:rPr lang="en-US" smtClean="0"/>
-              <a:t>6/27/25</a:t>
+              <a:t>7/8/25</a:t>
             </a:fld>
             <a:endParaRPr lang="en-US"/>
           </a:p>
@@ -977,7 +992,7 @@
           <a:p>
             <a:fld id="{6444479B-705B-4489-957E-7E8A228BDFA0}" type="datetime1">
               <a:rPr lang="en-US" smtClean="0"/>
-              <a:t>6/27/25</a:t>
+              <a:t>7/8/25</a:t>
             </a:fld>
             <a:endParaRPr lang="en-US"/>
           </a:p>
@@ -1177,7 +1192,7 @@
           <a:p>
             <a:fld id="{C07B66AD-7C08-490A-ADA4-B47E10FB2407}" type="datetime1">
               <a:rPr lang="en-US" smtClean="0"/>
-              <a:t>6/27/25</a:t>
+              <a:t>7/8/25</a:t>
             </a:fld>
             <a:endParaRPr lang="en-US"/>
           </a:p>
@@ -1436,7 +1451,7 @@
           <a:p>
             <a:fld id="{05B95027-4255-49E7-9841-CD21BCC99996}" type="datetime1">
               <a:rPr lang="en-US" smtClean="0"/>
-              <a:t>6/27/25</a:t>
+              <a:t>7/8/25</a:t>
             </a:fld>
             <a:endParaRPr lang="en-US"/>
           </a:p>
@@ -1677,7 +1692,7 @@
           <a:p>
             <a:fld id="{9F89F774-3FA6-43B8-9241-99959C8FD463}" type="datetime1">
               <a:rPr lang="en-US" smtClean="0"/>
-              <a:t>6/27/25</a:t>
+              <a:t>7/8/25</a:t>
             </a:fld>
             <a:endParaRPr lang="en-US"/>
           </a:p>
@@ -2004,7 +2019,7 @@
           <a:p>
             <a:fld id="{F9504452-5DCC-4FE2-A5C9-8A5EF6714D65}" type="datetime1">
               <a:rPr lang="en-US" smtClean="0"/>
-              <a:t>6/27/25</a:t>
+              <a:t>7/8/25</a:t>
             </a:fld>
             <a:endParaRPr lang="en-US"/>
           </a:p>
@@ -2314,7 +2329,7 @@
           <a:p>
             <a:fld id="{E579ABC2-0180-4F3A-A895-A85BC724D472}" type="datetime1">
               <a:rPr lang="en-US" smtClean="0"/>
-              <a:t>6/27/25</a:t>
+              <a:t>7/8/25</a:t>
             </a:fld>
             <a:endParaRPr lang="en-US"/>
           </a:p>
@@ -2732,7 +2747,7 @@
           <a:p>
             <a:fld id="{6AEEA9BA-4E8F-439E-BEA4-91FBA01E3F5F}" type="datetime1">
               <a:rPr lang="en-US" smtClean="0"/>
-              <a:t>6/27/25</a:t>
+              <a:t>7/8/25</a:t>
             </a:fld>
             <a:endParaRPr lang="en-US"/>
           </a:p>
@@ -2874,7 +2889,7 @@
           <a:p>
             <a:fld id="{BE15BF18-0007-481C-AA29-413124BC3EE7}" type="datetime1">
               <a:rPr lang="en-US" smtClean="0"/>
-              <a:t>6/27/25</a:t>
+              <a:t>7/8/25</a:t>
             </a:fld>
             <a:endParaRPr lang="en-US"/>
           </a:p>
@@ -3036,7 +3051,7 @@
           <a:p>
             <a:fld id="{09BE9870-3748-43AD-B547-02A075CB4A1D}" type="datetime1">
               <a:rPr lang="en-US" smtClean="0"/>
-              <a:t>6/27/25</a:t>
+              <a:t>7/8/25</a:t>
             </a:fld>
             <a:endParaRPr lang="en-US"/>
           </a:p>
@@ -3353,7 +3368,7 @@
           <a:p>
             <a:fld id="{558E7897-33C5-4F1A-9307-D068E37F3DC7}" type="datetime1">
               <a:rPr lang="en-US" smtClean="0"/>
-              <a:t>6/27/25</a:t>
+              <a:t>7/8/25</a:t>
             </a:fld>
             <a:endParaRPr lang="en-US"/>
           </a:p>
@@ -3648,7 +3663,7 @@
           <a:p>
             <a:fld id="{82E171BA-CC09-47C8-A6DF-F5C5CB59CEEC}" type="datetime1">
               <a:rPr lang="en-US" smtClean="0"/>
-              <a:t>6/27/25</a:t>
+              <a:t>7/8/25</a:t>
             </a:fld>
             <a:endParaRPr lang="en-US"/>
           </a:p>
@@ -3889,7 +3904,7 @@
           <a:p>
             <a:fld id="{7DA38F49-B3E2-4BF0-BEC7-C30D34ABBB8D}" type="datetime1">
               <a:rPr lang="en-US" smtClean="0"/>
-              <a:t>6/27/25</a:t>
+              <a:t>7/8/25</a:t>
             </a:fld>
             <a:endParaRPr lang="en-US"/>
           </a:p>
@@ -6836,7 +6851,7 @@
         </p:nvSpPr>
         <p:spPr>
           <a:xfrm>
-            <a:off x="650535" y="1052645"/>
+            <a:off x="650535" y="1040453"/>
             <a:ext cx="10890929" cy="555078"/>
           </a:xfrm>
         </p:spPr>
@@ -6862,10 +6877,10 @@
       </p:sp>
       <p:pic>
         <p:nvPicPr>
-          <p:cNvPr id="4" name="Picture 3" descr="A graph showing a number of different colored lines&#10;&#10;Description automatically generated">
-            <a:extLst>
-              <a:ext uri="{FF2B5EF4-FFF2-40B4-BE49-F238E27FC236}">
-                <a16:creationId xmlns:a16="http://schemas.microsoft.com/office/drawing/2014/main" id="{E45E7541-0517-48E0-DC7A-DA5EB8964640}"/>
+          <p:cNvPr id="5" name="Picture 4" descr="A graph showing different colored lines&#10;&#10;Description automatically generated">
+            <a:extLst>
+              <a:ext uri="{FF2B5EF4-FFF2-40B4-BE49-F238E27FC236}">
+                <a16:creationId xmlns:a16="http://schemas.microsoft.com/office/drawing/2014/main" id="{BA026163-2922-B9C1-228B-C398E64EB557}"/>
               </a:ext>
             </a:extLst>
           </p:cNvPr>
@@ -6882,8 +6897,8 @@
         </p:blipFill>
         <p:spPr>
           <a:xfrm>
-            <a:off x="1335658" y="1740182"/>
-            <a:ext cx="8773402" cy="5117818"/>
+            <a:off x="1310640" y="1693750"/>
+            <a:ext cx="8853000" cy="5164250"/>
           </a:xfrm>
           <a:prstGeom prst="rect">
             <a:avLst/>
@@ -6970,10 +6985,10 @@
       </p:sp>
       <p:pic>
         <p:nvPicPr>
-          <p:cNvPr id="5" name="Picture 4" descr="A graph showing different colored lines&#10;&#10;Description automatically generated">
-            <a:extLst>
-              <a:ext uri="{FF2B5EF4-FFF2-40B4-BE49-F238E27FC236}">
-                <a16:creationId xmlns:a16="http://schemas.microsoft.com/office/drawing/2014/main" id="{6D37FD82-59CE-1C6B-C0B7-4839B71B28DB}"/>
+          <p:cNvPr id="4" name="Picture 3" descr="A graph showing different colored lines&#10;&#10;Description automatically generated">
+            <a:extLst>
+              <a:ext uri="{FF2B5EF4-FFF2-40B4-BE49-F238E27FC236}">
+                <a16:creationId xmlns:a16="http://schemas.microsoft.com/office/drawing/2014/main" id="{80DC9881-CEA2-4F6F-0563-B5B6271F19D6}"/>
               </a:ext>
             </a:extLst>
           </p:cNvPr>
@@ -6990,8 +7005,8 @@
         </p:blipFill>
         <p:spPr>
           <a:xfrm>
-            <a:off x="1223059" y="1607723"/>
-            <a:ext cx="9000475" cy="5250277"/>
+            <a:off x="1476967" y="1607722"/>
+            <a:ext cx="8843721" cy="5158837"/>
           </a:xfrm>
           <a:prstGeom prst="rect">
             <a:avLst/>
@@ -7087,10 +7102,10 @@
       </p:sp>
       <p:pic>
         <p:nvPicPr>
-          <p:cNvPr id="4" name="Picture 3" descr="A graph of a graph showing a blue line&#10;&#10;Description automatically generated with medium confidence">
-            <a:extLst>
-              <a:ext uri="{FF2B5EF4-FFF2-40B4-BE49-F238E27FC236}">
-                <a16:creationId xmlns:a16="http://schemas.microsoft.com/office/drawing/2014/main" id="{6872F422-B4F7-075C-FD39-B4D54C7F5FD1}"/>
+          <p:cNvPr id="3" name="Picture 2">
+            <a:extLst>
+              <a:ext uri="{FF2B5EF4-FFF2-40B4-BE49-F238E27FC236}">
+                <a16:creationId xmlns:a16="http://schemas.microsoft.com/office/drawing/2014/main" id="{4B5316CE-B6BB-BACB-B947-9A6D08B0C448}"/>
               </a:ext>
             </a:extLst>
           </p:cNvPr>
@@ -7107,14 +7122,57 @@
         </p:blipFill>
         <p:spPr>
           <a:xfrm>
-            <a:off x="1385102" y="1718842"/>
-            <a:ext cx="8545977" cy="4985153"/>
+            <a:off x="2197607" y="1755068"/>
+            <a:ext cx="7068224" cy="4956318"/>
           </a:xfrm>
           <a:prstGeom prst="rect">
             <a:avLst/>
           </a:prstGeom>
         </p:spPr>
       </p:pic>
+      <p:cxnSp>
+        <p:nvCxnSpPr>
+          <p:cNvPr id="6" name="Straight Connector 5">
+            <a:extLst>
+              <a:ext uri="{FF2B5EF4-FFF2-40B4-BE49-F238E27FC236}">
+                <a16:creationId xmlns:a16="http://schemas.microsoft.com/office/drawing/2014/main" id="{90C99087-F465-6C2C-1EA5-6109E0B43D7B}"/>
+              </a:ext>
+            </a:extLst>
+          </p:cNvPr>
+          <p:cNvCxnSpPr>
+            <a:cxnSpLocks/>
+          </p:cNvCxnSpPr>
+          <p:nvPr/>
+        </p:nvCxnSpPr>
+        <p:spPr>
+          <a:xfrm>
+            <a:off x="9265831" y="2023872"/>
+            <a:ext cx="0" cy="4389120"/>
+          </a:xfrm>
+          <a:prstGeom prst="line">
+            <a:avLst/>
+          </a:prstGeom>
+          <a:ln>
+            <a:solidFill>
+              <a:schemeClr val="tx1"/>
+            </a:solidFill>
+          </a:ln>
+        </p:spPr>
+        <p:style>
+          <a:lnRef idx="1">
+            <a:schemeClr val="dk1"/>
+          </a:lnRef>
+          <a:fillRef idx="0">
+            <a:schemeClr val="dk1"/>
+          </a:fillRef>
+          <a:effectRef idx="0">
+            <a:schemeClr val="dk1"/>
+          </a:effectRef>
+          <a:fontRef idx="minor">
+            <a:schemeClr val="tx1"/>
+          </a:fontRef>
+        </p:style>
+      </p:cxnSp>
     </p:spTree>
     <p:extLst>
       <p:ext uri="{BB962C8B-B14F-4D97-AF65-F5344CB8AC3E}">
@@ -9339,26 +9397,17 @@
           <a:p>
             <a:r>
               <a:rPr lang="en-GB" dirty="0"/>
-              <a:t>Penalize overestimation of </a:t>
-            </a:r>
-            <a:r>
-              <a:rPr lang="en-GB" b="1" dirty="0"/>
-              <a:t>out-of-distribution (OOD)</a:t>
-            </a:r>
+              <a:t>Penalize overestimation of out-of-distribution (OOD) actions by minimizing Q-values on randomly sampled actions from the action space.</a:t>
+            </a:r>
+          </a:p>
+          <a:p>
+            <a:endParaRPr lang="en-GB" dirty="0"/>
+          </a:p>
+          <a:p>
             <a:r>
               <a:rPr lang="en-GB" dirty="0"/>
-              <a:t> actions by minimizing Q-values on randomly sampled actions from the action space.</a:t>
-            </a:r>
-          </a:p>
-          <a:p>
-            <a:endParaRPr lang="en-GB" dirty="0"/>
-          </a:p>
-          <a:p>
-            <a:r>
-              <a:rPr lang="en-GB" b="1" dirty="0"/>
               <a:t>Method Highlights:</a:t>
             </a:r>
-            <a:endParaRPr lang="en-GB" dirty="0"/>
           </a:p>
           <a:p>
             <a:pPr marL="285750" indent="-285750">
@@ -9367,15 +9416,7 @@
             </a:pPr>
             <a:r>
               <a:rPr lang="en-GB" dirty="0"/>
-              <a:t>Adds a </a:t>
-            </a:r>
-            <a:r>
-              <a:rPr lang="en-GB" b="1" dirty="0"/>
-              <a:t>conservative regularization term</a:t>
-            </a:r>
-            <a:r>
-              <a:rPr lang="en-GB" dirty="0"/>
-              <a:t> to the Bellman loss.</a:t>
+              <a:t>Adds a conservative regularization term to the Bellman loss.</a:t>
             </a:r>
           </a:p>
           <a:p>
@@ -9385,15 +9426,7 @@
             </a:pPr>
             <a:r>
               <a:rPr lang="en-GB" dirty="0"/>
-              <a:t>Prevents exploitation of </a:t>
-            </a:r>
-            <a:r>
-              <a:rPr lang="en-GB" b="1" dirty="0"/>
-              <a:t>bad Q estimates</a:t>
-            </a:r>
-            <a:r>
-              <a:rPr lang="en-GB" dirty="0"/>
-              <a:t> from unseen actions.</a:t>
+              <a:t>Prevents exploitation of bad Q estimates from unseen actions.</a:t>
             </a:r>
           </a:p>
           <a:p>
@@ -9640,15 +9673,7 @@
           <a:p>
             <a:r>
               <a:rPr lang="en-GB" dirty="0"/>
-              <a:t>Followed a </a:t>
-            </a:r>
-            <a:r>
-              <a:rPr lang="en-GB" b="1" dirty="0"/>
-              <a:t>modular approach</a:t>
-            </a:r>
-            <a:r>
-              <a:rPr lang="en-GB" dirty="0"/>
-              <a:t> without altering core files like </a:t>
+              <a:t>Followed a modular approach without altering core files like </a:t>
             </a:r>
             <a:r>
               <a:rPr lang="en-GB" dirty="0" err="1"/>
@@ -9672,17 +9697,17 @@
           </a:p>
           <a:p>
             <a:r>
-              <a:rPr lang="en-GB" b="1" dirty="0"/>
+              <a:rPr lang="en-GB" dirty="0"/>
               <a:t>New File: </a:t>
             </a:r>
             <a:r>
-              <a:rPr lang="en-GB" b="1" dirty="0" err="1"/>
+              <a:rPr lang="en-GB" dirty="0" err="1"/>
               <a:t>sac_torch_cql.py</a:t>
             </a:r>
-            <a:endParaRPr lang="en-GB" b="1" dirty="0"/>
-          </a:p>
-          <a:p>
-            <a:endParaRPr lang="en-GB" b="1" dirty="0"/>
+            <a:endParaRPr lang="en-GB" dirty="0"/>
+          </a:p>
+          <a:p>
+            <a:endParaRPr lang="en-GB" dirty="0"/>
           </a:p>
           <a:p>
             <a:pPr marL="285750" indent="-285750">
@@ -9691,15 +9716,7 @@
             </a:pPr>
             <a:r>
               <a:rPr lang="en-GB" dirty="0"/>
-              <a:t>Introduced a </a:t>
-            </a:r>
-            <a:r>
-              <a:rPr lang="en-GB" b="1" dirty="0"/>
-              <a:t>SAC_CQL class</a:t>
-            </a:r>
-            <a:r>
-              <a:rPr lang="en-GB" dirty="0"/>
-              <a:t> that extends offline SAC with CQL logic.</a:t>
+              <a:t>Introduced a SAC_CQL class that extends offline SAC with CQL logic.</a:t>
             </a:r>
           </a:p>
           <a:p>
@@ -9792,15 +9809,7 @@
           <a:p>
             <a:r>
               <a:rPr lang="en-GB" dirty="0"/>
-              <a:t>We added the </a:t>
-            </a:r>
-            <a:r>
-              <a:rPr lang="en-GB" b="1" dirty="0"/>
-              <a:t>log-sum-exp penalty</a:t>
-            </a:r>
-            <a:r>
-              <a:rPr lang="en-GB" dirty="0"/>
-              <a:t> over sampled actions to the Q-function loss:</a:t>
+              <a:t>We added the log-sum-exp penalty over sampled actions to the Q-function loss:</a:t>
             </a:r>
           </a:p>
         </p:txBody>
@@ -9865,31 +9874,7 @@
           <a:p>
             <a:r>
               <a:rPr lang="en-GB" dirty="0"/>
-              <a:t>Created a </a:t>
-            </a:r>
-            <a:r>
-              <a:rPr lang="en-GB" b="1" dirty="0"/>
-              <a:t>new Python class</a:t>
-            </a:r>
-            <a:r>
-              <a:rPr lang="en-GB" dirty="0"/>
-              <a:t> called SAC_CQL that builds on top of our existing </a:t>
-            </a:r>
-            <a:r>
-              <a:rPr lang="en-GB" b="1" dirty="0"/>
-              <a:t>offline SAC implementation</a:t>
-            </a:r>
-            <a:r>
-              <a:rPr lang="en-GB" dirty="0"/>
-              <a:t> and adds the </a:t>
-            </a:r>
-            <a:r>
-              <a:rPr lang="en-GB" b="1" dirty="0"/>
-              <a:t>Conservative Q-Learning (CQL)</a:t>
-            </a:r>
-            <a:r>
-              <a:rPr lang="en-GB" dirty="0"/>
-              <a:t> logic.</a:t>
+              <a:t>Created a new Python class called SAC_CQL that builds on top of our existing offline SAC implementation and adds the Conservative Q-Learning (CQL) logic.</a:t>
             </a:r>
             <a:endParaRPr lang="en-US" dirty="0"/>
           </a:p>
@@ -11744,10 +11729,10 @@
       </p:sp>
       <p:pic>
         <p:nvPicPr>
-          <p:cNvPr id="5" name="Picture 4" descr="A graph showing different colored lines&#10;&#10;Description automatically generated">
-            <a:extLst>
-              <a:ext uri="{FF2B5EF4-FFF2-40B4-BE49-F238E27FC236}">
-                <a16:creationId xmlns:a16="http://schemas.microsoft.com/office/drawing/2014/main" id="{99675382-3CC1-E4BF-3567-EFC80F149AC1}"/>
+          <p:cNvPr id="4" name="Picture 3" descr="A graph showing different colored lines&#10;&#10;Description automatically generated">
+            <a:extLst>
+              <a:ext uri="{FF2B5EF4-FFF2-40B4-BE49-F238E27FC236}">
+                <a16:creationId xmlns:a16="http://schemas.microsoft.com/office/drawing/2014/main" id="{760F6358-BBB8-1050-4A06-15CEC45351FD}"/>
               </a:ext>
             </a:extLst>
           </p:cNvPr>
@@ -11764,8 +11749,8 @@
         </p:blipFill>
         <p:spPr>
           <a:xfrm>
-            <a:off x="930233" y="1809338"/>
-            <a:ext cx="8654849" cy="5048662"/>
+            <a:off x="1536191" y="1699163"/>
+            <a:ext cx="8843722" cy="5158837"/>
           </a:xfrm>
           <a:prstGeom prst="rect">
             <a:avLst/>
@@ -11786,123 +11771,6 @@
 </file>
 
 <file path=ppt/slides/slide27.xml><?xml version="1.0" encoding="utf-8"?>
-<p:sld xmlns:a="http://schemas.openxmlformats.org/drawingml/2006/main" xmlns:r="http://schemas.openxmlformats.org/officeDocument/2006/relationships" xmlns:p="http://schemas.openxmlformats.org/presentationml/2006/main">
-  <p:cSld>
-    <p:spTree>
-      <p:nvGrpSpPr>
-        <p:cNvPr id="1" name="">
-          <a:extLst>
-            <a:ext uri="{FF2B5EF4-FFF2-40B4-BE49-F238E27FC236}">
-              <a16:creationId xmlns:a16="http://schemas.microsoft.com/office/drawing/2014/main" id="{A7BB0F41-E777-861B-1649-616E1878F4DB}"/>
-            </a:ext>
-          </a:extLst>
-        </p:cNvPr>
-        <p:cNvGrpSpPr/>
-        <p:nvPr/>
-      </p:nvGrpSpPr>
-      <p:grpSpPr>
-        <a:xfrm>
-          <a:off x="0" y="0"/>
-          <a:ext cx="0" cy="0"/>
-          <a:chOff x="0" y="0"/>
-          <a:chExt cx="0" cy="0"/>
-        </a:xfrm>
-      </p:grpSpPr>
-      <p:sp>
-        <p:nvSpPr>
-          <p:cNvPr id="2" name="Title 1">
-            <a:extLst>
-              <a:ext uri="{FF2B5EF4-FFF2-40B4-BE49-F238E27FC236}">
-                <a16:creationId xmlns:a16="http://schemas.microsoft.com/office/drawing/2014/main" id="{276DDC33-9E9E-8685-C491-720C2183C6EB}"/>
-              </a:ext>
-            </a:extLst>
-          </p:cNvPr>
-          <p:cNvSpPr>
-            <a:spLocks noGrp="1"/>
-          </p:cNvSpPr>
-          <p:nvPr>
-            <p:ph type="title"/>
-          </p:nvPr>
-        </p:nvSpPr>
-        <p:spPr>
-          <a:xfrm>
-            <a:off x="650535" y="1140107"/>
-            <a:ext cx="10890929" cy="639500"/>
-          </a:xfrm>
-        </p:spPr>
-        <p:txBody>
-          <a:bodyPr>
-            <a:normAutofit fontScale="90000"/>
-          </a:bodyPr>
-          <a:lstStyle/>
-          <a:p>
-            <a:r>
-              <a:rPr lang="en-GB" b="0" i="0" u="none" strike="noStrike" dirty="0">
-                <a:solidFill>
-                  <a:srgbClr val="000000"/>
-                </a:solidFill>
-                <a:effectLst/>
-                <a:latin typeface="-webkit-standard"/>
-              </a:rPr>
-              <a:t>Results Comparison -  </a:t>
-            </a:r>
-            <a:r>
-              <a:rPr lang="en-GB" b="0" dirty="0">
-                <a:solidFill>
-                  <a:srgbClr val="000000"/>
-                </a:solidFill>
-                <a:latin typeface="-webkit-standard"/>
-              </a:rPr>
-              <a:t>Lunar SAC Online vs Offline vs CQL</a:t>
-            </a:r>
-            <a:endParaRPr lang="en-US" dirty="0"/>
-          </a:p>
-        </p:txBody>
-      </p:sp>
-      <p:pic>
-        <p:nvPicPr>
-          <p:cNvPr id="5" name="Picture 4" descr="A graph of a graph showing different colored lines&#10;&#10;Description automatically generated">
-            <a:extLst>
-              <a:ext uri="{FF2B5EF4-FFF2-40B4-BE49-F238E27FC236}">
-                <a16:creationId xmlns:a16="http://schemas.microsoft.com/office/drawing/2014/main" id="{D4AA3EC5-AD60-0E4C-AEFE-5695D9B7AF64}"/>
-              </a:ext>
-            </a:extLst>
-          </p:cNvPr>
-          <p:cNvPicPr>
-            <a:picLocks noChangeAspect="1"/>
-          </p:cNvPicPr>
-          <p:nvPr/>
-        </p:nvPicPr>
-        <p:blipFill>
-          <a:blip r:embed="rId2"/>
-          <a:stretch>
-            <a:fillRect/>
-          </a:stretch>
-        </p:blipFill>
-        <p:spPr>
-          <a:xfrm>
-            <a:off x="1291242" y="1779606"/>
-            <a:ext cx="8705817" cy="5078393"/>
-          </a:xfrm>
-          <a:prstGeom prst="rect">
-            <a:avLst/>
-          </a:prstGeom>
-        </p:spPr>
-      </p:pic>
-    </p:spTree>
-    <p:extLst>
-      <p:ext uri="{BB962C8B-B14F-4D97-AF65-F5344CB8AC3E}">
-        <p14:creationId xmlns:p14="http://schemas.microsoft.com/office/powerpoint/2010/main" val="4137446126"/>
-      </p:ext>
-    </p:extLst>
-  </p:cSld>
-  <p:clrMapOvr>
-    <a:masterClrMapping/>
-  </p:clrMapOvr>
-</p:sld>
-</file>
-
-<file path=ppt/slides/slide28.xml><?xml version="1.0" encoding="utf-8"?>
 <p:sld xmlns:a="http://schemas.openxmlformats.org/drawingml/2006/main" xmlns:r="http://schemas.openxmlformats.org/officeDocument/2006/relationships" xmlns:p="http://schemas.openxmlformats.org/presentationml/2006/main">
   <p:cSld>
     <p:bg>
@@ -12049,8 +11917,12 @@
               <a:t>Sample Efficiency-  </a:t>
             </a:r>
             <a:r>
+              <a:rPr lang="en-US" sz="3400" dirty="0" err="1"/>
+              <a:t>LunarLander</a:t>
+            </a:r>
+            <a:r>
               <a:rPr lang="en-US" sz="3400" dirty="0"/>
-              <a:t>Lunar Online vs Offline</a:t>
+              <a:t> V2</a:t>
             </a:r>
           </a:p>
         </p:txBody>
@@ -12118,7 +11990,7 @@
           <p:nvPr>
             <p:extLst>
               <p:ext uri="{D42A27DB-BD31-4B8C-83A1-F6EECF244321}">
-                <p14:modId xmlns:p14="http://schemas.microsoft.com/office/powerpoint/2010/main" val="3851436780"/>
+                <p14:modId xmlns:p14="http://schemas.microsoft.com/office/powerpoint/2010/main" val="453007934"/>
               </p:ext>
             </p:extLst>
           </p:nvPr>
@@ -12855,7 +12727,7 @@
                     <a:lstStyle/>
                     <a:p>
                       <a:r>
-                        <a:rPr lang="en-GB"/>
+                        <a:rPr lang="en-GB" dirty="0"/>
                         <a:t>1,500,000</a:t>
                       </a:r>
                     </a:p>
@@ -12957,8 +12829,8 @@
                     <a:lstStyle/>
                     <a:p>
                       <a:r>
-                        <a:rPr lang="en-GB"/>
-                        <a:t>300,000</a:t>
+                        <a:rPr lang="en-GB" dirty="0"/>
+                        <a:t>350,000</a:t>
                       </a:r>
                     </a:p>
                   </a:txBody>
@@ -13169,8 +13041,8 @@
                     <a:lstStyle/>
                     <a:p>
                       <a:r>
-                        <a:rPr lang="en-GB"/>
-                        <a:t>2,400,000</a:t>
+                        <a:rPr lang="en-GB" dirty="0"/>
+                        <a:t>2,800,000</a:t>
                       </a:r>
                     </a:p>
                   </a:txBody>
@@ -13279,8 +13151,8 @@
                     <a:lstStyle/>
                     <a:p>
                       <a:r>
-                        <a:rPr lang="en-GB"/>
-                        <a:t>305,000</a:t>
+                        <a:rPr lang="en-GB" dirty="0"/>
+                        <a:t>450,000</a:t>
                       </a:r>
                     </a:p>
                   </a:txBody>
@@ -13382,7 +13254,7 @@
                     <a:p>
                       <a:r>
                         <a:rPr lang="en-GB" dirty="0"/>
-                        <a:t>118,000</a:t>
+                        <a:t>70,000</a:t>
                       </a:r>
                     </a:p>
                   </a:txBody>
@@ -13491,8 +13363,8 @@
                     <a:lstStyle/>
                     <a:p>
                       <a:r>
-                        <a:rPr lang="en-GB"/>
-                        <a:t>2,440,000</a:t>
+                        <a:rPr lang="en-GB" dirty="0"/>
+                        <a:t>3,600,000</a:t>
                       </a:r>
                     </a:p>
                   </a:txBody>
@@ -13594,7 +13466,7 @@
                     <a:p>
                       <a:r>
                         <a:rPr lang="en-GB" dirty="0"/>
-                        <a:t>944,000</a:t>
+                        <a:t>500,000</a:t>
                       </a:r>
                     </a:p>
                   </a:txBody>
@@ -13662,7 +13534,7 @@
         </p:nvSpPr>
         <p:spPr>
           <a:xfrm>
-            <a:off x="8431481" y="1817224"/>
+            <a:off x="8560716" y="1778116"/>
             <a:ext cx="3300753" cy="4678580"/>
           </a:xfrm>
           <a:prstGeom prst="rect">
@@ -13739,10 +13611,406 @@
           </a:p>
         </p:txBody>
       </p:sp>
+      <p:sp>
+        <p:nvSpPr>
+          <p:cNvPr id="6" name="TextBox 5">
+            <a:extLst>
+              <a:ext uri="{FF2B5EF4-FFF2-40B4-BE49-F238E27FC236}">
+                <a16:creationId xmlns:a16="http://schemas.microsoft.com/office/drawing/2014/main" id="{D51A25AC-B79B-B7B3-6E4B-43D3D49AF114}"/>
+              </a:ext>
+            </a:extLst>
+          </p:cNvPr>
+          <p:cNvSpPr txBox="1"/>
+          <p:nvPr/>
+        </p:nvSpPr>
+        <p:spPr>
+          <a:xfrm>
+            <a:off x="9423149" y="1301812"/>
+            <a:ext cx="2498775" cy="430887"/>
+          </a:xfrm>
+          <a:prstGeom prst="rect">
+            <a:avLst/>
+          </a:prstGeom>
+          <a:noFill/>
+        </p:spPr>
+        <p:txBody>
+          <a:bodyPr wrap="square">
+            <a:spAutoFit/>
+          </a:bodyPr>
+          <a:lstStyle/>
+          <a:p>
+            <a:r>
+              <a:rPr lang="en-GB" sz="1100" b="1" dirty="0">
+                <a:solidFill>
+                  <a:srgbClr val="00B050"/>
+                </a:solidFill>
+              </a:rPr>
+              <a:t>CQL is 7× more sample efficient than Online SAC</a:t>
+            </a:r>
+            <a:endParaRPr lang="en-US" sz="1100" b="1" dirty="0">
+              <a:solidFill>
+                <a:srgbClr val="00B050"/>
+              </a:solidFill>
+            </a:endParaRPr>
+          </a:p>
+        </p:txBody>
+      </p:sp>
+      <p:sp>
+        <p:nvSpPr>
+          <p:cNvPr id="8" name="TextBox 7">
+            <a:extLst>
+              <a:ext uri="{FF2B5EF4-FFF2-40B4-BE49-F238E27FC236}">
+                <a16:creationId xmlns:a16="http://schemas.microsoft.com/office/drawing/2014/main" id="{903C341D-5701-D24D-8AEE-31D1F9390FE5}"/>
+              </a:ext>
+            </a:extLst>
+          </p:cNvPr>
+          <p:cNvSpPr txBox="1"/>
+          <p:nvPr/>
+        </p:nvSpPr>
+        <p:spPr>
+          <a:xfrm>
+            <a:off x="8434844" y="6511312"/>
+            <a:ext cx="3757156" cy="276999"/>
+          </a:xfrm>
+          <a:prstGeom prst="rect">
+            <a:avLst/>
+          </a:prstGeom>
+          <a:noFill/>
+        </p:spPr>
+        <p:txBody>
+          <a:bodyPr wrap="square">
+            <a:spAutoFit/>
+          </a:bodyPr>
+          <a:lstStyle/>
+          <a:p>
+            <a:r>
+              <a:rPr lang="en-GB" sz="1200" b="1" dirty="0">
+                <a:solidFill>
+                  <a:srgbClr val="00B050"/>
+                </a:solidFill>
+              </a:rPr>
+              <a:t>CQL requires ~85% less data to solve the task</a:t>
+            </a:r>
+            <a:endParaRPr lang="en-US" sz="1200" b="1" dirty="0">
+              <a:solidFill>
+                <a:srgbClr val="00B050"/>
+              </a:solidFill>
+            </a:endParaRPr>
+          </a:p>
+        </p:txBody>
+      </p:sp>
     </p:spTree>
     <p:extLst>
       <p:ext uri="{BB962C8B-B14F-4D97-AF65-F5344CB8AC3E}">
         <p14:creationId xmlns:p14="http://schemas.microsoft.com/office/powerpoint/2010/main" val="400747026"/>
+      </p:ext>
+    </p:extLst>
+  </p:cSld>
+  <p:clrMapOvr>
+    <a:masterClrMapping/>
+  </p:clrMapOvr>
+</p:sld>
+</file>
+
+<file path=ppt/slides/slide28.xml><?xml version="1.0" encoding="utf-8"?>
+<p:sld xmlns:a="http://schemas.openxmlformats.org/drawingml/2006/main" xmlns:r="http://schemas.openxmlformats.org/officeDocument/2006/relationships" xmlns:p="http://schemas.openxmlformats.org/presentationml/2006/main">
+  <p:cSld>
+    <p:spTree>
+      <p:nvGrpSpPr>
+        <p:cNvPr id="1" name=""/>
+        <p:cNvGrpSpPr/>
+        <p:nvPr/>
+      </p:nvGrpSpPr>
+      <p:grpSpPr>
+        <a:xfrm>
+          <a:off x="0" y="0"/>
+          <a:ext cx="0" cy="0"/>
+          <a:chOff x="0" y="0"/>
+          <a:chExt cx="0" cy="0"/>
+        </a:xfrm>
+      </p:grpSpPr>
+      <p:sp>
+        <p:nvSpPr>
+          <p:cNvPr id="2" name="Title 1">
+            <a:extLst>
+              <a:ext uri="{FF2B5EF4-FFF2-40B4-BE49-F238E27FC236}">
+                <a16:creationId xmlns:a16="http://schemas.microsoft.com/office/drawing/2014/main" id="{F0D86E25-7D35-A508-7EFF-0106594078F9}"/>
+              </a:ext>
+            </a:extLst>
+          </p:cNvPr>
+          <p:cNvSpPr>
+            <a:spLocks noGrp="1"/>
+          </p:cNvSpPr>
+          <p:nvPr>
+            <p:ph type="title"/>
+          </p:nvPr>
+        </p:nvSpPr>
+        <p:spPr>
+          <a:xfrm>
+            <a:off x="640079" y="1371601"/>
+            <a:ext cx="10890929" cy="754082"/>
+          </a:xfrm>
+        </p:spPr>
+        <p:txBody>
+          <a:bodyPr/>
+          <a:lstStyle/>
+          <a:p>
+            <a:r>
+              <a:rPr lang="en-US" dirty="0"/>
+              <a:t>Expected Results? – Benchmark Comparison</a:t>
+            </a:r>
+          </a:p>
+        </p:txBody>
+      </p:sp>
+      <p:pic>
+        <p:nvPicPr>
+          <p:cNvPr id="4" name="Picture 3">
+            <a:extLst>
+              <a:ext uri="{FF2B5EF4-FFF2-40B4-BE49-F238E27FC236}">
+                <a16:creationId xmlns:a16="http://schemas.microsoft.com/office/drawing/2014/main" id="{948490D1-1931-86BA-4554-3A9CB94883CB}"/>
+              </a:ext>
+            </a:extLst>
+          </p:cNvPr>
+          <p:cNvPicPr>
+            <a:picLocks noChangeAspect="1"/>
+          </p:cNvPicPr>
+          <p:nvPr/>
+        </p:nvPicPr>
+        <p:blipFill>
+          <a:blip r:embed="rId2"/>
+          <a:stretch>
+            <a:fillRect/>
+          </a:stretch>
+        </p:blipFill>
+        <p:spPr>
+          <a:xfrm>
+            <a:off x="951015" y="2468881"/>
+            <a:ext cx="5775429" cy="3290651"/>
+          </a:xfrm>
+          <a:prstGeom prst="rect">
+            <a:avLst/>
+          </a:prstGeom>
+        </p:spPr>
+      </p:pic>
+      <p:sp>
+        <p:nvSpPr>
+          <p:cNvPr id="7" name="TextBox 6">
+            <a:extLst>
+              <a:ext uri="{FF2B5EF4-FFF2-40B4-BE49-F238E27FC236}">
+                <a16:creationId xmlns:a16="http://schemas.microsoft.com/office/drawing/2014/main" id="{3A3E3F3C-F44F-58F2-AD5C-21F2A07841C7}"/>
+              </a:ext>
+            </a:extLst>
+          </p:cNvPr>
+          <p:cNvSpPr txBox="1"/>
+          <p:nvPr/>
+        </p:nvSpPr>
+        <p:spPr>
+          <a:xfrm>
+            <a:off x="6801660" y="2710542"/>
+            <a:ext cx="4729348" cy="2308324"/>
+          </a:xfrm>
+          <a:prstGeom prst="rect">
+            <a:avLst/>
+          </a:prstGeom>
+          <a:noFill/>
+        </p:spPr>
+        <p:txBody>
+          <a:bodyPr wrap="square">
+            <a:spAutoFit/>
+          </a:bodyPr>
+          <a:lstStyle/>
+          <a:p>
+            <a:r>
+              <a:rPr lang="en-GB" dirty="0"/>
+              <a:t>This figure from the paper shows CQL reaching good performance in under 300k steps on Hopper. Our own CQL on </a:t>
+            </a:r>
+            <a:r>
+              <a:rPr lang="en-GB" dirty="0" err="1"/>
+              <a:t>LunarLander</a:t>
+            </a:r>
+            <a:r>
+              <a:rPr lang="en-GB" dirty="0"/>
+              <a:t> follows a similar trend  solving the task in ~250k steps with much better sample efficiency than baseline offline SAC. That suggests our implementation behaves as expected</a:t>
+            </a:r>
+            <a:endParaRPr lang="en-US" dirty="0"/>
+          </a:p>
+        </p:txBody>
+      </p:sp>
+      <p:sp>
+        <p:nvSpPr>
+          <p:cNvPr id="9" name="TextBox 8">
+            <a:extLst>
+              <a:ext uri="{FF2B5EF4-FFF2-40B4-BE49-F238E27FC236}">
+                <a16:creationId xmlns:a16="http://schemas.microsoft.com/office/drawing/2014/main" id="{A2CE41E4-D1AE-5922-0F6E-4BD6433DEB82}"/>
+              </a:ext>
+            </a:extLst>
+          </p:cNvPr>
+          <p:cNvSpPr txBox="1"/>
+          <p:nvPr/>
+        </p:nvSpPr>
+        <p:spPr>
+          <a:xfrm>
+            <a:off x="6801660" y="5159367"/>
+            <a:ext cx="4994501" cy="1200329"/>
+          </a:xfrm>
+          <a:prstGeom prst="rect">
+            <a:avLst/>
+          </a:prstGeom>
+          <a:noFill/>
+        </p:spPr>
+        <p:txBody>
+          <a:bodyPr wrap="square">
+            <a:spAutoFit/>
+          </a:bodyPr>
+          <a:lstStyle/>
+          <a:p>
+            <a:r>
+              <a:rPr lang="en-GB" dirty="0"/>
+              <a:t>This result matches the paper’s claim:</a:t>
+            </a:r>
+          </a:p>
+          <a:p>
+            <a:r>
+              <a:rPr lang="en-GB" dirty="0"/>
+              <a:t>"</a:t>
+            </a:r>
+            <a:r>
+              <a:rPr lang="en-GB" i="1" dirty="0"/>
+              <a:t>CQL enables learning from offline datasets at a level comparable to online RL with greater stability and sample efficiency</a:t>
+            </a:r>
+            <a:endParaRPr lang="en-GB" dirty="0"/>
+          </a:p>
+        </p:txBody>
+      </p:sp>
+      <p:sp>
+        <p:nvSpPr>
+          <p:cNvPr id="11" name="TextBox 10">
+            <a:extLst>
+              <a:ext uri="{FF2B5EF4-FFF2-40B4-BE49-F238E27FC236}">
+                <a16:creationId xmlns:a16="http://schemas.microsoft.com/office/drawing/2014/main" id="{895372DF-85A1-E716-A8D0-7785EE14FA4C}"/>
+              </a:ext>
+            </a:extLst>
+          </p:cNvPr>
+          <p:cNvSpPr txBox="1"/>
+          <p:nvPr/>
+        </p:nvSpPr>
+        <p:spPr>
+          <a:xfrm>
+            <a:off x="1813958" y="5644116"/>
+            <a:ext cx="4063272" cy="230832"/>
+          </a:xfrm>
+          <a:prstGeom prst="rect">
+            <a:avLst/>
+          </a:prstGeom>
+          <a:noFill/>
+        </p:spPr>
+        <p:txBody>
+          <a:bodyPr wrap="square">
+            <a:spAutoFit/>
+          </a:bodyPr>
+          <a:lstStyle/>
+          <a:p>
+            <a:r>
+              <a:rPr lang="en-GB" sz="900" i="1" dirty="0">
+                <a:solidFill>
+                  <a:srgbClr val="000000"/>
+                </a:solidFill>
+                <a:latin typeface="Aptos" panose="020B0004020202020204" pitchFamily="34" charset="0"/>
+              </a:rPr>
+              <a:t>From the paper </a:t>
+            </a:r>
+            <a:r>
+              <a:rPr lang="en-GB" sz="900" b="0" i="1" dirty="0">
+                <a:solidFill>
+                  <a:srgbClr val="000000"/>
+                </a:solidFill>
+                <a:effectLst/>
+                <a:latin typeface="Aptos" panose="020B0004020202020204" pitchFamily="34" charset="0"/>
+              </a:rPr>
+              <a:t>Conservative Q-Learning for Offline Reinforcement Learning}</a:t>
+            </a:r>
+            <a:endParaRPr lang="en-US" sz="900" i="1" dirty="0"/>
+          </a:p>
+        </p:txBody>
+      </p:sp>
+      <p:sp>
+        <p:nvSpPr>
+          <p:cNvPr id="3" name="Rounded Rectangle 2">
+            <a:extLst>
+              <a:ext uri="{FF2B5EF4-FFF2-40B4-BE49-F238E27FC236}">
+                <a16:creationId xmlns:a16="http://schemas.microsoft.com/office/drawing/2014/main" id="{D4542A1B-6E7D-7100-8634-F57239411E38}"/>
+              </a:ext>
+            </a:extLst>
+          </p:cNvPr>
+          <p:cNvSpPr/>
+          <p:nvPr/>
+        </p:nvSpPr>
+        <p:spPr>
+          <a:xfrm>
+            <a:off x="10671472" y="-257600"/>
+            <a:ext cx="1719072" cy="755904"/>
+          </a:xfrm>
+          <a:prstGeom prst="roundRect">
+            <a:avLst/>
+          </a:prstGeom>
+          <a:solidFill>
+            <a:srgbClr val="FFFF00"/>
+          </a:solidFill>
+          <a:ln>
+            <a:noFill/>
+          </a:ln>
+          <a:effectLst>
+            <a:outerShdw blurRad="50800" dist="38100" dir="2700000" algn="tl" rotWithShape="0">
+              <a:prstClr val="black">
+                <a:alpha val="40000"/>
+              </a:prstClr>
+            </a:outerShdw>
+          </a:effectLst>
+        </p:spPr>
+        <p:style>
+          <a:lnRef idx="2">
+            <a:schemeClr val="accent1">
+              <a:shade val="15000"/>
+            </a:schemeClr>
+          </a:lnRef>
+          <a:fillRef idx="1">
+            <a:schemeClr val="accent1"/>
+          </a:fillRef>
+          <a:effectRef idx="0">
+            <a:schemeClr val="accent1"/>
+          </a:effectRef>
+          <a:fontRef idx="minor">
+            <a:schemeClr val="lt1"/>
+          </a:fontRef>
+        </p:style>
+        <p:txBody>
+          <a:bodyPr rtlCol="0" anchor="ctr"/>
+          <a:lstStyle/>
+          <a:p>
+            <a:pPr algn="ctr"/>
+            <a:r>
+              <a:rPr lang="en-US" dirty="0">
+                <a:ln w="0"/>
+                <a:solidFill>
+                  <a:schemeClr val="tx1"/>
+                </a:solidFill>
+                <a:effectLst>
+                  <a:outerShdw blurRad="38100" dist="19050" dir="2700000" algn="tl" rotWithShape="0">
+                    <a:schemeClr val="dk1">
+                      <a:alpha val="40000"/>
+                    </a:schemeClr>
+                  </a:outerShdw>
+                </a:effectLst>
+              </a:rPr>
+              <a:t>TBU</a:t>
+            </a:r>
+          </a:p>
+        </p:txBody>
+      </p:sp>
+    </p:spTree>
+    <p:extLst>
+      <p:ext uri="{BB962C8B-B14F-4D97-AF65-F5344CB8AC3E}">
+        <p14:creationId xmlns:p14="http://schemas.microsoft.com/office/powerpoint/2010/main" val="520705648"/>
       </p:ext>
     </p:extLst>
   </p:cSld>
@@ -13774,7 +14042,7 @@
           <p:cNvPr id="2" name="Title 1">
             <a:extLst>
               <a:ext uri="{FF2B5EF4-FFF2-40B4-BE49-F238E27FC236}">
-                <a16:creationId xmlns:a16="http://schemas.microsoft.com/office/drawing/2014/main" id="{F0D86E25-7D35-A508-7EFF-0106594078F9}"/>
+                <a16:creationId xmlns:a16="http://schemas.microsoft.com/office/drawing/2014/main" id="{18C29C47-C9DF-8481-53E0-D78D90289E43}"/>
               </a:ext>
             </a:extLst>
           </p:cNvPr>
@@ -13787,8 +14055,8 @@
         </p:nvSpPr>
         <p:spPr>
           <a:xfrm>
-            <a:off x="640079" y="1371601"/>
-            <a:ext cx="10890929" cy="754082"/>
+            <a:off x="640079" y="1157112"/>
+            <a:ext cx="10890929" cy="716844"/>
           </a:xfrm>
         </p:spPr>
         <p:txBody>
@@ -13797,8 +14065,108 @@
           <a:p>
             <a:r>
               <a:rPr lang="en-US" dirty="0"/>
-              <a:t>Expected Results? – Benchmark Comparison</a:t>
-            </a:r>
+              <a:t>SAC Auto Entropy Tuning</a:t>
+            </a:r>
+          </a:p>
+        </p:txBody>
+      </p:sp>
+      <p:sp>
+        <p:nvSpPr>
+          <p:cNvPr id="3" name="Content Placeholder 2">
+            <a:extLst>
+              <a:ext uri="{FF2B5EF4-FFF2-40B4-BE49-F238E27FC236}">
+                <a16:creationId xmlns:a16="http://schemas.microsoft.com/office/drawing/2014/main" id="{DE0144FD-DB4E-1EDF-5CBD-D6211AA420A7}"/>
+              </a:ext>
+            </a:extLst>
+          </p:cNvPr>
+          <p:cNvSpPr>
+            <a:spLocks noGrp="1"/>
+          </p:cNvSpPr>
+          <p:nvPr>
+            <p:ph idx="1"/>
+          </p:nvPr>
+        </p:nvSpPr>
+        <p:spPr>
+          <a:xfrm>
+            <a:off x="640080" y="1916628"/>
+            <a:ext cx="10890928" cy="3566160"/>
+          </a:xfrm>
+        </p:spPr>
+        <p:txBody>
+          <a:bodyPr>
+            <a:normAutofit/>
+          </a:bodyPr>
+          <a:lstStyle/>
+          <a:p>
+            <a:r>
+              <a:rPr lang="en-GB" sz="1600" b="1" dirty="0"/>
+              <a:t>Paper: </a:t>
+            </a:r>
+            <a:r>
+              <a:rPr lang="en-GB" sz="1600" i="1" dirty="0"/>
+              <a:t>Soft Actor-Critic Algorithms and Applications</a:t>
+            </a:r>
+            <a:br>
+              <a:rPr lang="en-GB" sz="1600" dirty="0"/>
+            </a:br>
+            <a:r>
+              <a:rPr lang="en-GB" sz="1600" dirty="0" err="1"/>
+              <a:t>Tuomas</a:t>
+            </a:r>
+            <a:r>
+              <a:rPr lang="en-GB" sz="1600" dirty="0"/>
+              <a:t> </a:t>
+            </a:r>
+            <a:r>
+              <a:rPr lang="en-GB" sz="1600" dirty="0" err="1"/>
+              <a:t>Haarnoja</a:t>
+            </a:r>
+            <a:r>
+              <a:rPr lang="en-GB" sz="1600" dirty="0"/>
+              <a:t> et al., </a:t>
+            </a:r>
+            <a:r>
+              <a:rPr lang="en-GB" sz="1600" dirty="0">
+                <a:hlinkClick r:id="rId2"/>
+              </a:rPr>
+              <a:t>arXiv:1812.05905</a:t>
+            </a:r>
+            <a:endParaRPr lang="en-GB" sz="1600" dirty="0"/>
+          </a:p>
+          <a:p>
+            <a:r>
+              <a:rPr lang="en-GB" sz="1600" dirty="0"/>
+              <a:t>Key Idea : Automatically adjust the entropy coefficient </a:t>
+            </a:r>
+            <a:r>
+              <a:rPr lang="el-GR" sz="1600" b="1" dirty="0"/>
+              <a:t>α</a:t>
+            </a:r>
+            <a:r>
+              <a:rPr lang="el-GR" sz="1600" dirty="0"/>
+              <a:t> </a:t>
+            </a:r>
+            <a:r>
+              <a:rPr lang="en-GB" sz="1600" dirty="0"/>
+              <a:t>during training to maintain the right level of policy randomness (exploration). Formulates </a:t>
+            </a:r>
+            <a:r>
+              <a:rPr lang="el-GR" sz="1600" dirty="0"/>
+              <a:t>α </a:t>
+            </a:r>
+            <a:r>
+              <a:rPr lang="en-GB" sz="1600" dirty="0"/>
+              <a:t>tuning as a </a:t>
+            </a:r>
+            <a:r>
+              <a:rPr lang="en-GB" sz="1600" b="1" dirty="0"/>
+              <a:t>dual optimization problem</a:t>
+            </a:r>
+            <a:r>
+              <a:rPr lang="en-GB" sz="1600" dirty="0"/>
+              <a:t> to match policy entropy with a target entropy level:</a:t>
+            </a:r>
+            <a:endParaRPr lang="en-US" sz="1600" dirty="0"/>
           </a:p>
         </p:txBody>
       </p:sp>
@@ -13807,7 +14175,7 @@
           <p:cNvPr id="4" name="Picture 3">
             <a:extLst>
               <a:ext uri="{FF2B5EF4-FFF2-40B4-BE49-F238E27FC236}">
-                <a16:creationId xmlns:a16="http://schemas.microsoft.com/office/drawing/2014/main" id="{948490D1-1931-86BA-4554-3A9CB94883CB}"/>
+                <a16:creationId xmlns:a16="http://schemas.microsoft.com/office/drawing/2014/main" id="{BA8CCF1E-ABE8-8171-9698-43C48E7C39DA}"/>
               </a:ext>
             </a:extLst>
           </p:cNvPr>
@@ -13817,15 +14185,75 @@
           <p:nvPr/>
         </p:nvPicPr>
         <p:blipFill>
-          <a:blip r:embed="rId2"/>
+          <a:blip r:embed="rId3"/>
           <a:stretch>
             <a:fillRect/>
           </a:stretch>
         </p:blipFill>
         <p:spPr>
           <a:xfrm>
-            <a:off x="951015" y="2468881"/>
-            <a:ext cx="5775429" cy="3290651"/>
+            <a:off x="1220738" y="3771665"/>
+            <a:ext cx="5278778" cy="529399"/>
+          </a:xfrm>
+          <a:prstGeom prst="rect">
+            <a:avLst/>
+          </a:prstGeom>
+        </p:spPr>
+      </p:pic>
+      <p:pic>
+        <p:nvPicPr>
+          <p:cNvPr id="7" name="Picture 6">
+            <a:extLst>
+              <a:ext uri="{FF2B5EF4-FFF2-40B4-BE49-F238E27FC236}">
+                <a16:creationId xmlns:a16="http://schemas.microsoft.com/office/drawing/2014/main" id="{FF2771EA-D171-EFD2-1F97-FCEF21F4226D}"/>
+              </a:ext>
+            </a:extLst>
+          </p:cNvPr>
+          <p:cNvPicPr>
+            <a:picLocks noChangeAspect="1"/>
+          </p:cNvPicPr>
+          <p:nvPr/>
+        </p:nvPicPr>
+        <p:blipFill>
+          <a:blip r:embed="rId4"/>
+          <a:stretch>
+            <a:fillRect/>
+          </a:stretch>
+        </p:blipFill>
+        <p:spPr>
+          <a:xfrm>
+            <a:off x="6903744" y="3420312"/>
+            <a:ext cx="4373203" cy="1002192"/>
+          </a:xfrm>
+          <a:prstGeom prst="rect">
+            <a:avLst/>
+          </a:prstGeom>
+        </p:spPr>
+      </p:pic>
+      <p:pic>
+        <p:nvPicPr>
+          <p:cNvPr id="8" name="Picture 7">
+            <a:extLst>
+              <a:ext uri="{FF2B5EF4-FFF2-40B4-BE49-F238E27FC236}">
+                <a16:creationId xmlns:a16="http://schemas.microsoft.com/office/drawing/2014/main" id="{A33B1526-B32B-35B3-B474-2C2215CAB84D}"/>
+              </a:ext>
+            </a:extLst>
+          </p:cNvPr>
+          <p:cNvPicPr>
+            <a:picLocks noChangeAspect="1"/>
+          </p:cNvPicPr>
+          <p:nvPr/>
+        </p:nvPicPr>
+        <p:blipFill>
+          <a:blip r:embed="rId5"/>
+          <a:stretch>
+            <a:fillRect/>
+          </a:stretch>
+        </p:blipFill>
+        <p:spPr>
+          <a:xfrm>
+            <a:off x="1220738" y="4301064"/>
+            <a:ext cx="4518378" cy="1281550"/>
           </a:xfrm>
           <a:prstGeom prst="rect">
             <a:avLst/>
@@ -13834,10 +14262,10 @@
       </p:pic>
       <p:sp>
         <p:nvSpPr>
-          <p:cNvPr id="7" name="TextBox 6">
-            <a:extLst>
-              <a:ext uri="{FF2B5EF4-FFF2-40B4-BE49-F238E27FC236}">
-                <a16:creationId xmlns:a16="http://schemas.microsoft.com/office/drawing/2014/main" id="{3A3E3F3C-F44F-58F2-AD5C-21F2A07841C7}"/>
+          <p:cNvPr id="10" name="TextBox 9">
+            <a:extLst>
+              <a:ext uri="{FF2B5EF4-FFF2-40B4-BE49-F238E27FC236}">
+                <a16:creationId xmlns:a16="http://schemas.microsoft.com/office/drawing/2014/main" id="{5D2F4BBD-E0D7-B927-F8E9-2DBE28FA9F56}"/>
               </a:ext>
             </a:extLst>
           </p:cNvPr>
@@ -13846,8 +14274,8 @@
         </p:nvSpPr>
         <p:spPr>
           <a:xfrm>
-            <a:off x="6801660" y="2710542"/>
-            <a:ext cx="4729348" cy="2308324"/>
+            <a:off x="984174" y="5700888"/>
+            <a:ext cx="6096000" cy="830997"/>
           </a:xfrm>
           <a:prstGeom prst="rect">
             <a:avLst/>
@@ -13861,122 +14289,141 @@
           <a:lstStyle/>
           <a:p>
             <a:r>
-              <a:rPr lang="en-GB" dirty="0"/>
-              <a:t>This figure from the paper shows CQL reaching good performance in under 300k steps on Hopper. Our own CQL on </a:t>
-            </a:r>
-            <a:r>
-              <a:rPr lang="en-GB" dirty="0" err="1"/>
-              <a:t>LunarLander</a:t>
-            </a:r>
-            <a:r>
-              <a:rPr lang="en-GB" dirty="0"/>
-              <a:t> follows a similar trend  solving the task in ~250k steps with much better sample efficiency than baseline offline SAC. That suggests our implementation behaves as expected</a:t>
-            </a:r>
-            <a:endParaRPr lang="en-US" dirty="0"/>
+              <a:rPr lang="en-GB" sz="1600" b="1" dirty="0"/>
+              <a:t>Result:</a:t>
+            </a:r>
+            <a:endParaRPr lang="en-GB" sz="1600" dirty="0"/>
+          </a:p>
+          <a:p>
+            <a:pPr>
+              <a:buFont typeface="Arial" panose="020B0604020202020204" pitchFamily="34" charset="0"/>
+              <a:buChar char="•"/>
+            </a:pPr>
+            <a:r>
+              <a:rPr lang="en-GB" sz="1600" dirty="0"/>
+              <a:t> SAC adapts exploration automatically</a:t>
+            </a:r>
+          </a:p>
+          <a:p>
+            <a:pPr>
+              <a:buFont typeface="Arial" panose="020B0604020202020204" pitchFamily="34" charset="0"/>
+              <a:buChar char="•"/>
+            </a:pPr>
+            <a:r>
+              <a:rPr lang="en-GB" sz="1600" dirty="0"/>
+              <a:t> More stable learning across tasks</a:t>
+            </a:r>
           </a:p>
         </p:txBody>
       </p:sp>
+      <p:pic>
+        <p:nvPicPr>
+          <p:cNvPr id="11" name="Picture 10">
+            <a:extLst>
+              <a:ext uri="{FF2B5EF4-FFF2-40B4-BE49-F238E27FC236}">
+                <a16:creationId xmlns:a16="http://schemas.microsoft.com/office/drawing/2014/main" id="{757F9368-961F-ED18-0524-5823393F0151}"/>
+              </a:ext>
+            </a:extLst>
+          </p:cNvPr>
+          <p:cNvPicPr>
+            <a:picLocks noChangeAspect="1"/>
+          </p:cNvPicPr>
+          <p:nvPr/>
+        </p:nvPicPr>
+        <p:blipFill>
+          <a:blip r:embed="rId6"/>
+          <a:stretch>
+            <a:fillRect/>
+          </a:stretch>
+        </p:blipFill>
+        <p:spPr>
+          <a:xfrm>
+            <a:off x="6903744" y="4533037"/>
+            <a:ext cx="2934668" cy="2117602"/>
+          </a:xfrm>
+          <a:prstGeom prst="rect">
+            <a:avLst/>
+          </a:prstGeom>
+        </p:spPr>
+      </p:pic>
       <p:sp>
         <p:nvSpPr>
-          <p:cNvPr id="9" name="TextBox 8">
-            <a:extLst>
-              <a:ext uri="{FF2B5EF4-FFF2-40B4-BE49-F238E27FC236}">
-                <a16:creationId xmlns:a16="http://schemas.microsoft.com/office/drawing/2014/main" id="{A2CE41E4-D1AE-5922-0F6E-4BD6433DEB82}"/>
-              </a:ext>
-            </a:extLst>
-          </p:cNvPr>
-          <p:cNvSpPr txBox="1"/>
+          <p:cNvPr id="5" name="Rounded Rectangle 4">
+            <a:extLst>
+              <a:ext uri="{FF2B5EF4-FFF2-40B4-BE49-F238E27FC236}">
+                <a16:creationId xmlns:a16="http://schemas.microsoft.com/office/drawing/2014/main" id="{25725FBC-8497-D556-A43A-832E6C8A1BEA}"/>
+              </a:ext>
+            </a:extLst>
+          </p:cNvPr>
+          <p:cNvSpPr/>
           <p:nvPr/>
         </p:nvSpPr>
         <p:spPr>
           <a:xfrm>
-            <a:off x="6801660" y="5159367"/>
-            <a:ext cx="4994501" cy="1200329"/>
+            <a:off x="10671472" y="-257600"/>
+            <a:ext cx="1719072" cy="755904"/>
           </a:xfrm>
-          <a:prstGeom prst="rect">
+          <a:prstGeom prst="roundRect">
             <a:avLst/>
           </a:prstGeom>
-          <a:noFill/>
+          <a:solidFill>
+            <a:srgbClr val="FFFF00"/>
+          </a:solidFill>
+          <a:ln>
+            <a:noFill/>
+          </a:ln>
+          <a:effectLst>
+            <a:outerShdw blurRad="50800" dist="38100" dir="2700000" algn="tl" rotWithShape="0">
+              <a:prstClr val="black">
+                <a:alpha val="40000"/>
+              </a:prstClr>
+            </a:outerShdw>
+          </a:effectLst>
         </p:spPr>
+        <p:style>
+          <a:lnRef idx="2">
+            <a:schemeClr val="accent1">
+              <a:shade val="15000"/>
+            </a:schemeClr>
+          </a:lnRef>
+          <a:fillRef idx="1">
+            <a:schemeClr val="accent1"/>
+          </a:fillRef>
+          <a:effectRef idx="0">
+            <a:schemeClr val="accent1"/>
+          </a:effectRef>
+          <a:fontRef idx="minor">
+            <a:schemeClr val="lt1"/>
+          </a:fontRef>
+        </p:style>
         <p:txBody>
-          <a:bodyPr wrap="square">
-            <a:spAutoFit/>
-          </a:bodyPr>
+          <a:bodyPr rtlCol="0" anchor="ctr"/>
           <a:lstStyle/>
           <a:p>
-            <a:r>
-              <a:rPr lang="en-GB" dirty="0"/>
-              <a:t>This result matches the paper’s claim:</a:t>
-            </a:r>
-          </a:p>
-          <a:p>
-            <a:r>
-              <a:rPr lang="en-GB" dirty="0"/>
-              <a:t>"</a:t>
-            </a:r>
-            <a:r>
-              <a:rPr lang="en-GB" i="1" dirty="0"/>
-              <a:t>CQL enables learning from offline datasets at a level comparable to online RL with greater stability and sample efficiency</a:t>
-            </a:r>
-            <a:endParaRPr lang="en-GB" dirty="0"/>
-          </a:p>
-        </p:txBody>
-      </p:sp>
-      <p:sp>
-        <p:nvSpPr>
-          <p:cNvPr id="11" name="TextBox 10">
-            <a:extLst>
-              <a:ext uri="{FF2B5EF4-FFF2-40B4-BE49-F238E27FC236}">
-                <a16:creationId xmlns:a16="http://schemas.microsoft.com/office/drawing/2014/main" id="{895372DF-85A1-E716-A8D0-7785EE14FA4C}"/>
-              </a:ext>
-            </a:extLst>
-          </p:cNvPr>
-          <p:cNvSpPr txBox="1"/>
-          <p:nvPr/>
-        </p:nvSpPr>
-        <p:spPr>
-          <a:xfrm>
-            <a:off x="1813958" y="5644116"/>
-            <a:ext cx="4063272" cy="230832"/>
-          </a:xfrm>
-          <a:prstGeom prst="rect">
-            <a:avLst/>
-          </a:prstGeom>
-          <a:noFill/>
-        </p:spPr>
-        <p:txBody>
-          <a:bodyPr wrap="square">
-            <a:spAutoFit/>
-          </a:bodyPr>
-          <a:lstStyle/>
-          <a:p>
-            <a:r>
-              <a:rPr lang="en-GB" sz="900" i="1" dirty="0">
+            <a:pPr algn="ctr"/>
+            <a:r>
+              <a:rPr lang="en-US" dirty="0">
+                <a:ln w="0"/>
                 <a:solidFill>
-                  <a:srgbClr val="000000"/>
+                  <a:schemeClr val="tx1"/>
                 </a:solidFill>
-                <a:latin typeface="Aptos" panose="020B0004020202020204" pitchFamily="34" charset="0"/>
+                <a:effectLst>
+                  <a:outerShdw blurRad="38100" dist="19050" dir="2700000" algn="tl" rotWithShape="0">
+                    <a:schemeClr val="dk1">
+                      <a:alpha val="40000"/>
+                    </a:schemeClr>
+                  </a:outerShdw>
+                </a:effectLst>
               </a:rPr>
-              <a:t>From the paper </a:t>
-            </a:r>
-            <a:r>
-              <a:rPr lang="en-GB" sz="900" b="0" i="1" dirty="0">
-                <a:solidFill>
-                  <a:srgbClr val="000000"/>
-                </a:solidFill>
-                <a:effectLst/>
-                <a:latin typeface="Aptos" panose="020B0004020202020204" pitchFamily="34" charset="0"/>
-              </a:rPr>
-              <a:t>Conservative Q-Learning for Offline Reinforcement Learning}</a:t>
-            </a:r>
-            <a:endParaRPr lang="en-US" sz="900" i="1" dirty="0"/>
+              <a:t>TBU</a:t>
+            </a:r>
           </a:p>
         </p:txBody>
       </p:sp>
     </p:spTree>
     <p:extLst>
       <p:ext uri="{BB962C8B-B14F-4D97-AF65-F5344CB8AC3E}">
-        <p14:creationId xmlns:p14="http://schemas.microsoft.com/office/powerpoint/2010/main" val="520705648"/>
+        <p14:creationId xmlns:p14="http://schemas.microsoft.com/office/powerpoint/2010/main" val="4002579175"/>
       </p:ext>
     </p:extLst>
   </p:cSld>
@@ -14312,345 +14759,6 @@
           <p:cNvPr id="2" name="Title 1">
             <a:extLst>
               <a:ext uri="{FF2B5EF4-FFF2-40B4-BE49-F238E27FC236}">
-                <a16:creationId xmlns:a16="http://schemas.microsoft.com/office/drawing/2014/main" id="{18C29C47-C9DF-8481-53E0-D78D90289E43}"/>
-              </a:ext>
-            </a:extLst>
-          </p:cNvPr>
-          <p:cNvSpPr>
-            <a:spLocks noGrp="1"/>
-          </p:cNvSpPr>
-          <p:nvPr>
-            <p:ph type="title"/>
-          </p:nvPr>
-        </p:nvSpPr>
-        <p:spPr>
-          <a:xfrm>
-            <a:off x="640079" y="1157112"/>
-            <a:ext cx="10890929" cy="716844"/>
-          </a:xfrm>
-        </p:spPr>
-        <p:txBody>
-          <a:bodyPr/>
-          <a:lstStyle/>
-          <a:p>
-            <a:r>
-              <a:rPr lang="en-US" dirty="0"/>
-              <a:t>SAC Auto Entropy Tuning</a:t>
-            </a:r>
-          </a:p>
-        </p:txBody>
-      </p:sp>
-      <p:sp>
-        <p:nvSpPr>
-          <p:cNvPr id="3" name="Content Placeholder 2">
-            <a:extLst>
-              <a:ext uri="{FF2B5EF4-FFF2-40B4-BE49-F238E27FC236}">
-                <a16:creationId xmlns:a16="http://schemas.microsoft.com/office/drawing/2014/main" id="{DE0144FD-DB4E-1EDF-5CBD-D6211AA420A7}"/>
-              </a:ext>
-            </a:extLst>
-          </p:cNvPr>
-          <p:cNvSpPr>
-            <a:spLocks noGrp="1"/>
-          </p:cNvSpPr>
-          <p:nvPr>
-            <p:ph idx="1"/>
-          </p:nvPr>
-        </p:nvSpPr>
-        <p:spPr>
-          <a:xfrm>
-            <a:off x="640080" y="1916628"/>
-            <a:ext cx="10890928" cy="3566160"/>
-          </a:xfrm>
-        </p:spPr>
-        <p:txBody>
-          <a:bodyPr>
-            <a:normAutofit/>
-          </a:bodyPr>
-          <a:lstStyle/>
-          <a:p>
-            <a:r>
-              <a:rPr lang="en-GB" sz="1600" b="1" dirty="0"/>
-              <a:t>Paper: </a:t>
-            </a:r>
-            <a:r>
-              <a:rPr lang="en-GB" sz="1600" i="1" dirty="0"/>
-              <a:t>Soft Actor-Critic Algorithms and Applications</a:t>
-            </a:r>
-            <a:br>
-              <a:rPr lang="en-GB" sz="1600" dirty="0"/>
-            </a:br>
-            <a:r>
-              <a:rPr lang="en-GB" sz="1600" dirty="0" err="1"/>
-              <a:t>Tuomas</a:t>
-            </a:r>
-            <a:r>
-              <a:rPr lang="en-GB" sz="1600" dirty="0"/>
-              <a:t> </a:t>
-            </a:r>
-            <a:r>
-              <a:rPr lang="en-GB" sz="1600" dirty="0" err="1"/>
-              <a:t>Haarnoja</a:t>
-            </a:r>
-            <a:r>
-              <a:rPr lang="en-GB" sz="1600" dirty="0"/>
-              <a:t> et al., </a:t>
-            </a:r>
-            <a:r>
-              <a:rPr lang="en-GB" sz="1600" dirty="0">
-                <a:hlinkClick r:id="rId2"/>
-              </a:rPr>
-              <a:t>arXiv:1812.05905</a:t>
-            </a:r>
-            <a:endParaRPr lang="en-GB" sz="1600" dirty="0"/>
-          </a:p>
-          <a:p>
-            <a:r>
-              <a:rPr lang="en-GB" sz="1600" dirty="0"/>
-              <a:t>Key Idea : Automatically adjust the entropy coefficient </a:t>
-            </a:r>
-            <a:r>
-              <a:rPr lang="el-GR" sz="1600" b="1" dirty="0"/>
-              <a:t>α</a:t>
-            </a:r>
-            <a:r>
-              <a:rPr lang="el-GR" sz="1600" dirty="0"/>
-              <a:t> </a:t>
-            </a:r>
-            <a:r>
-              <a:rPr lang="en-GB" sz="1600" dirty="0"/>
-              <a:t>during training to maintain the right level of policy randomness (exploration). Formulates </a:t>
-            </a:r>
-            <a:r>
-              <a:rPr lang="el-GR" sz="1600" dirty="0"/>
-              <a:t>α </a:t>
-            </a:r>
-            <a:r>
-              <a:rPr lang="en-GB" sz="1600" dirty="0"/>
-              <a:t>tuning as a </a:t>
-            </a:r>
-            <a:r>
-              <a:rPr lang="en-GB" sz="1600" b="1" dirty="0"/>
-              <a:t>dual optimization problem</a:t>
-            </a:r>
-            <a:r>
-              <a:rPr lang="en-GB" sz="1600" dirty="0"/>
-              <a:t> to match policy entropy with a target entropy level:</a:t>
-            </a:r>
-            <a:endParaRPr lang="en-US" sz="1600" dirty="0"/>
-          </a:p>
-        </p:txBody>
-      </p:sp>
-      <p:pic>
-        <p:nvPicPr>
-          <p:cNvPr id="4" name="Picture 3">
-            <a:extLst>
-              <a:ext uri="{FF2B5EF4-FFF2-40B4-BE49-F238E27FC236}">
-                <a16:creationId xmlns:a16="http://schemas.microsoft.com/office/drawing/2014/main" id="{BA8CCF1E-ABE8-8171-9698-43C48E7C39DA}"/>
-              </a:ext>
-            </a:extLst>
-          </p:cNvPr>
-          <p:cNvPicPr>
-            <a:picLocks noChangeAspect="1"/>
-          </p:cNvPicPr>
-          <p:nvPr/>
-        </p:nvPicPr>
-        <p:blipFill>
-          <a:blip r:embed="rId3"/>
-          <a:stretch>
-            <a:fillRect/>
-          </a:stretch>
-        </p:blipFill>
-        <p:spPr>
-          <a:xfrm>
-            <a:off x="1220738" y="3771665"/>
-            <a:ext cx="5278778" cy="529399"/>
-          </a:xfrm>
-          <a:prstGeom prst="rect">
-            <a:avLst/>
-          </a:prstGeom>
-        </p:spPr>
-      </p:pic>
-      <p:pic>
-        <p:nvPicPr>
-          <p:cNvPr id="7" name="Picture 6">
-            <a:extLst>
-              <a:ext uri="{FF2B5EF4-FFF2-40B4-BE49-F238E27FC236}">
-                <a16:creationId xmlns:a16="http://schemas.microsoft.com/office/drawing/2014/main" id="{FF2771EA-D171-EFD2-1F97-FCEF21F4226D}"/>
-              </a:ext>
-            </a:extLst>
-          </p:cNvPr>
-          <p:cNvPicPr>
-            <a:picLocks noChangeAspect="1"/>
-          </p:cNvPicPr>
-          <p:nvPr/>
-        </p:nvPicPr>
-        <p:blipFill>
-          <a:blip r:embed="rId4"/>
-          <a:stretch>
-            <a:fillRect/>
-          </a:stretch>
-        </p:blipFill>
-        <p:spPr>
-          <a:xfrm>
-            <a:off x="6903744" y="3420312"/>
-            <a:ext cx="4373203" cy="1002192"/>
-          </a:xfrm>
-          <a:prstGeom prst="rect">
-            <a:avLst/>
-          </a:prstGeom>
-        </p:spPr>
-      </p:pic>
-      <p:pic>
-        <p:nvPicPr>
-          <p:cNvPr id="8" name="Picture 7">
-            <a:extLst>
-              <a:ext uri="{FF2B5EF4-FFF2-40B4-BE49-F238E27FC236}">
-                <a16:creationId xmlns:a16="http://schemas.microsoft.com/office/drawing/2014/main" id="{A33B1526-B32B-35B3-B474-2C2215CAB84D}"/>
-              </a:ext>
-            </a:extLst>
-          </p:cNvPr>
-          <p:cNvPicPr>
-            <a:picLocks noChangeAspect="1"/>
-          </p:cNvPicPr>
-          <p:nvPr/>
-        </p:nvPicPr>
-        <p:blipFill>
-          <a:blip r:embed="rId5"/>
-          <a:stretch>
-            <a:fillRect/>
-          </a:stretch>
-        </p:blipFill>
-        <p:spPr>
-          <a:xfrm>
-            <a:off x="1220738" y="4301064"/>
-            <a:ext cx="4518378" cy="1281550"/>
-          </a:xfrm>
-          <a:prstGeom prst="rect">
-            <a:avLst/>
-          </a:prstGeom>
-        </p:spPr>
-      </p:pic>
-      <p:sp>
-        <p:nvSpPr>
-          <p:cNvPr id="10" name="TextBox 9">
-            <a:extLst>
-              <a:ext uri="{FF2B5EF4-FFF2-40B4-BE49-F238E27FC236}">
-                <a16:creationId xmlns:a16="http://schemas.microsoft.com/office/drawing/2014/main" id="{5D2F4BBD-E0D7-B927-F8E9-2DBE28FA9F56}"/>
-              </a:ext>
-            </a:extLst>
-          </p:cNvPr>
-          <p:cNvSpPr txBox="1"/>
-          <p:nvPr/>
-        </p:nvSpPr>
-        <p:spPr>
-          <a:xfrm>
-            <a:off x="984174" y="5700888"/>
-            <a:ext cx="6096000" cy="830997"/>
-          </a:xfrm>
-          <a:prstGeom prst="rect">
-            <a:avLst/>
-          </a:prstGeom>
-          <a:noFill/>
-        </p:spPr>
-        <p:txBody>
-          <a:bodyPr wrap="square">
-            <a:spAutoFit/>
-          </a:bodyPr>
-          <a:lstStyle/>
-          <a:p>
-            <a:r>
-              <a:rPr lang="en-GB" sz="1600" b="1" dirty="0"/>
-              <a:t>Result:</a:t>
-            </a:r>
-            <a:endParaRPr lang="en-GB" sz="1600" dirty="0"/>
-          </a:p>
-          <a:p>
-            <a:pPr>
-              <a:buFont typeface="Arial" panose="020B0604020202020204" pitchFamily="34" charset="0"/>
-              <a:buChar char="•"/>
-            </a:pPr>
-            <a:r>
-              <a:rPr lang="en-GB" sz="1600" dirty="0"/>
-              <a:t> SAC adapts exploration automatically</a:t>
-            </a:r>
-          </a:p>
-          <a:p>
-            <a:pPr>
-              <a:buFont typeface="Arial" panose="020B0604020202020204" pitchFamily="34" charset="0"/>
-              <a:buChar char="•"/>
-            </a:pPr>
-            <a:r>
-              <a:rPr lang="en-GB" sz="1600" dirty="0"/>
-              <a:t> More stable learning across tasks</a:t>
-            </a:r>
-          </a:p>
-        </p:txBody>
-      </p:sp>
-      <p:pic>
-        <p:nvPicPr>
-          <p:cNvPr id="11" name="Picture 10">
-            <a:extLst>
-              <a:ext uri="{FF2B5EF4-FFF2-40B4-BE49-F238E27FC236}">
-                <a16:creationId xmlns:a16="http://schemas.microsoft.com/office/drawing/2014/main" id="{757F9368-961F-ED18-0524-5823393F0151}"/>
-              </a:ext>
-            </a:extLst>
-          </p:cNvPr>
-          <p:cNvPicPr>
-            <a:picLocks noChangeAspect="1"/>
-          </p:cNvPicPr>
-          <p:nvPr/>
-        </p:nvPicPr>
-        <p:blipFill>
-          <a:blip r:embed="rId6"/>
-          <a:stretch>
-            <a:fillRect/>
-          </a:stretch>
-        </p:blipFill>
-        <p:spPr>
-          <a:xfrm>
-            <a:off x="6903744" y="4533037"/>
-            <a:ext cx="2934668" cy="2117602"/>
-          </a:xfrm>
-          <a:prstGeom prst="rect">
-            <a:avLst/>
-          </a:prstGeom>
-        </p:spPr>
-      </p:pic>
-    </p:spTree>
-    <p:extLst>
-      <p:ext uri="{BB962C8B-B14F-4D97-AF65-F5344CB8AC3E}">
-        <p14:creationId xmlns:p14="http://schemas.microsoft.com/office/powerpoint/2010/main" val="4002579175"/>
-      </p:ext>
-    </p:extLst>
-  </p:cSld>
-  <p:clrMapOvr>
-    <a:masterClrMapping/>
-  </p:clrMapOvr>
-</p:sld>
-</file>
-
-<file path=ppt/slides/slide31.xml><?xml version="1.0" encoding="utf-8"?>
-<p:sld xmlns:a="http://schemas.openxmlformats.org/drawingml/2006/main" xmlns:r="http://schemas.openxmlformats.org/officeDocument/2006/relationships" xmlns:p="http://schemas.openxmlformats.org/presentationml/2006/main">
-  <p:cSld>
-    <p:spTree>
-      <p:nvGrpSpPr>
-        <p:cNvPr id="1" name=""/>
-        <p:cNvGrpSpPr/>
-        <p:nvPr/>
-      </p:nvGrpSpPr>
-      <p:grpSpPr>
-        <a:xfrm>
-          <a:off x="0" y="0"/>
-          <a:ext cx="0" cy="0"/>
-          <a:chOff x="0" y="0"/>
-          <a:chExt cx="0" cy="0"/>
-        </a:xfrm>
-      </p:grpSpPr>
-      <p:sp>
-        <p:nvSpPr>
-          <p:cNvPr id="2" name="Title 1">
-            <a:extLst>
-              <a:ext uri="{FF2B5EF4-FFF2-40B4-BE49-F238E27FC236}">
                 <a16:creationId xmlns:a16="http://schemas.microsoft.com/office/drawing/2014/main" id="{6BBEC4B6-8842-C205-D00D-1ED687136EE9}"/>
               </a:ext>
             </a:extLst>
@@ -14913,7 +15021,7 @@
 </p:sld>
 </file>
 
-<file path=ppt/slides/slide32.xml><?xml version="1.0" encoding="utf-8"?>
+<file path=ppt/slides/slide31.xml><?xml version="1.0" encoding="utf-8"?>
 <p:sld xmlns:a="http://schemas.openxmlformats.org/drawingml/2006/main" xmlns:r="http://schemas.openxmlformats.org/officeDocument/2006/relationships" xmlns:p="http://schemas.openxmlformats.org/presentationml/2006/main">
   <p:cSld>
     <p:spTree>
@@ -15232,6 +15340,146 @@
     <p:extLst>
       <p:ext uri="{BB962C8B-B14F-4D97-AF65-F5344CB8AC3E}">
         <p14:creationId xmlns:p14="http://schemas.microsoft.com/office/powerpoint/2010/main" val="1144344980"/>
+      </p:ext>
+    </p:extLst>
+  </p:cSld>
+  <p:clrMapOvr>
+    <a:masterClrMapping/>
+  </p:clrMapOvr>
+</p:sld>
+</file>
+
+<file path=ppt/slides/slide32.xml><?xml version="1.0" encoding="utf-8"?>
+<p:sld xmlns:a="http://schemas.openxmlformats.org/drawingml/2006/main" xmlns:r="http://schemas.openxmlformats.org/officeDocument/2006/relationships" xmlns:p="http://schemas.openxmlformats.org/presentationml/2006/main">
+  <p:cSld>
+    <p:spTree>
+      <p:nvGrpSpPr>
+        <p:cNvPr id="1" name=""/>
+        <p:cNvGrpSpPr/>
+        <p:nvPr/>
+      </p:nvGrpSpPr>
+      <p:grpSpPr>
+        <a:xfrm>
+          <a:off x="0" y="0"/>
+          <a:ext cx="0" cy="0"/>
+          <a:chOff x="0" y="0"/>
+          <a:chExt cx="0" cy="0"/>
+        </a:xfrm>
+      </p:grpSpPr>
+      <p:sp>
+        <p:nvSpPr>
+          <p:cNvPr id="2" name="Title 1">
+            <a:extLst>
+              <a:ext uri="{FF2B5EF4-FFF2-40B4-BE49-F238E27FC236}">
+                <a16:creationId xmlns:a16="http://schemas.microsoft.com/office/drawing/2014/main" id="{92637B47-D0BC-757B-752C-15627022F6C5}"/>
+              </a:ext>
+            </a:extLst>
+          </p:cNvPr>
+          <p:cNvSpPr>
+            <a:spLocks noGrp="1"/>
+          </p:cNvSpPr>
+          <p:nvPr>
+            <p:ph type="title"/>
+          </p:nvPr>
+        </p:nvSpPr>
+        <p:spPr/>
+        <p:txBody>
+          <a:bodyPr/>
+          <a:lstStyle/>
+          <a:p>
+            <a:r>
+              <a:rPr lang="en-US" dirty="0"/>
+              <a:t>References</a:t>
+            </a:r>
+          </a:p>
+        </p:txBody>
+      </p:sp>
+      <p:sp>
+        <p:nvSpPr>
+          <p:cNvPr id="3" name="Content Placeholder 2">
+            <a:extLst>
+              <a:ext uri="{FF2B5EF4-FFF2-40B4-BE49-F238E27FC236}">
+                <a16:creationId xmlns:a16="http://schemas.microsoft.com/office/drawing/2014/main" id="{C7C664FE-A386-65E1-B038-A78AEF680A3F}"/>
+              </a:ext>
+            </a:extLst>
+          </p:cNvPr>
+          <p:cNvSpPr>
+            <a:spLocks noGrp="1"/>
+          </p:cNvSpPr>
+          <p:nvPr>
+            <p:ph idx="1"/>
+          </p:nvPr>
+        </p:nvSpPr>
+        <p:spPr/>
+        <p:txBody>
+          <a:bodyPr/>
+          <a:lstStyle/>
+          <a:p>
+            <a:r>
+              <a:rPr lang="en-US" dirty="0">
+                <a:hlinkClick r:id="rId2"/>
+              </a:rPr>
+              <a:t>https://github.com/rail-berkeley/d4rl</a:t>
+            </a:r>
+            <a:endParaRPr lang="en-US" dirty="0"/>
+          </a:p>
+          <a:p>
+            <a:r>
+              <a:rPr lang="en-GB" b="0" i="0" u="none" strike="noStrike" dirty="0">
+                <a:solidFill>
+                  <a:srgbClr val="000000"/>
+                </a:solidFill>
+                <a:effectLst/>
+                <a:latin typeface="-webkit-standard"/>
+                <a:hlinkClick r:id="rId3"/>
+              </a:rPr>
+              <a:t>https://huggingface.co/blog/offline-rl</a:t>
+            </a:r>
+            <a:endParaRPr lang="en-US" b="0" i="0" u="none" strike="noStrike" dirty="0">
+              <a:solidFill>
+                <a:srgbClr val="000000"/>
+              </a:solidFill>
+              <a:effectLst/>
+              <a:latin typeface="-webkit-standard"/>
+            </a:endParaRPr>
+          </a:p>
+          <a:p>
+            <a:r>
+              <a:rPr lang="en-US" dirty="0">
+                <a:hlinkClick r:id="rId4"/>
+              </a:rPr>
+              <a:t>https://github.com/vwxyzjn/cleanrl/blob/master/cleanrl/sac_continuous_action.py</a:t>
+            </a:r>
+            <a:endParaRPr lang="en-US" dirty="0">
+              <a:solidFill>
+                <a:srgbClr val="000000"/>
+              </a:solidFill>
+              <a:latin typeface="-webkit-standard"/>
+            </a:endParaRPr>
+          </a:p>
+          <a:p>
+            <a:r>
+              <a:rPr lang="en-US" dirty="0">
+                <a:hlinkClick r:id="rId5"/>
+              </a:rPr>
+              <a:t>https://spinningup.openai.com/en/latest/algorithms/sac.html</a:t>
+            </a:r>
+            <a:endParaRPr lang="en-US" dirty="0">
+              <a:solidFill>
+                <a:srgbClr val="000000"/>
+              </a:solidFill>
+              <a:latin typeface="-webkit-standard"/>
+            </a:endParaRPr>
+          </a:p>
+          <a:p>
+            <a:endParaRPr lang="en-US" dirty="0"/>
+          </a:p>
+        </p:txBody>
+      </p:sp>
+    </p:spTree>
+    <p:extLst>
+      <p:ext uri="{BB962C8B-B14F-4D97-AF65-F5344CB8AC3E}">
+        <p14:creationId xmlns:p14="http://schemas.microsoft.com/office/powerpoint/2010/main" val="1639086512"/>
       </p:ext>
     </p:extLst>
   </p:cSld>
@@ -15263,7 +15511,183 @@
           <p:cNvPr id="2" name="Title 1">
             <a:extLst>
               <a:ext uri="{FF2B5EF4-FFF2-40B4-BE49-F238E27FC236}">
-                <a16:creationId xmlns:a16="http://schemas.microsoft.com/office/drawing/2014/main" id="{92637B47-D0BC-757B-752C-15627022F6C5}"/>
+                <a16:creationId xmlns:a16="http://schemas.microsoft.com/office/drawing/2014/main" id="{858D3489-79F4-93C2-F335-56270BD945C6}"/>
+              </a:ext>
+            </a:extLst>
+          </p:cNvPr>
+          <p:cNvSpPr>
+            <a:spLocks noGrp="1"/>
+          </p:cNvSpPr>
+          <p:nvPr>
+            <p:ph type="title"/>
+          </p:nvPr>
+        </p:nvSpPr>
+        <p:spPr/>
+        <p:txBody>
+          <a:bodyPr>
+            <a:normAutofit fontScale="90000"/>
+          </a:bodyPr>
+          <a:lstStyle/>
+          <a:p>
+            <a:r>
+              <a:rPr lang="en-GB" dirty="0"/>
+              <a:t>Dimensionality Reduction of State Space using Variational Autoencoder (VAE)</a:t>
+            </a:r>
+            <a:endParaRPr lang="en-US" dirty="0"/>
+          </a:p>
+        </p:txBody>
+      </p:sp>
+      <p:sp>
+        <p:nvSpPr>
+          <p:cNvPr id="3" name="Content Placeholder 2">
+            <a:extLst>
+              <a:ext uri="{FF2B5EF4-FFF2-40B4-BE49-F238E27FC236}">
+                <a16:creationId xmlns:a16="http://schemas.microsoft.com/office/drawing/2014/main" id="{FDE13558-1530-121E-F66A-456E3DB79778}"/>
+              </a:ext>
+            </a:extLst>
+          </p:cNvPr>
+          <p:cNvSpPr>
+            <a:spLocks noGrp="1"/>
+          </p:cNvSpPr>
+          <p:nvPr>
+            <p:ph idx="1"/>
+          </p:nvPr>
+        </p:nvSpPr>
+        <p:spPr>
+          <a:xfrm>
+            <a:off x="640079" y="2731008"/>
+            <a:ext cx="10890928" cy="3566160"/>
+          </a:xfrm>
+        </p:spPr>
+        <p:txBody>
+          <a:bodyPr/>
+          <a:lstStyle/>
+          <a:p>
+            <a:pPr marL="0" indent="0">
+              <a:buNone/>
+            </a:pPr>
+            <a:r>
+              <a:rPr lang="en-GB" dirty="0"/>
+              <a:t>A </a:t>
+            </a:r>
+            <a:r>
+              <a:rPr lang="en-GB" b="1" dirty="0"/>
+              <a:t>Variational Autoencoder (VAE)</a:t>
+            </a:r>
+            <a:r>
+              <a:rPr lang="en-GB" dirty="0"/>
+              <a:t> is a generative model that learns a </a:t>
+            </a:r>
+            <a:r>
+              <a:rPr lang="en-GB" b="1" dirty="0"/>
+              <a:t>compressed, probabilistic latent representation</a:t>
+            </a:r>
+            <a:r>
+              <a:rPr lang="en-GB" dirty="0"/>
+              <a:t> of input data, while also being able to reconstruct the input from this latent space.</a:t>
+            </a:r>
+          </a:p>
+          <a:p>
+            <a:pPr>
+              <a:buFont typeface="Arial" panose="020B0604020202020204" pitchFamily="34" charset="0"/>
+              <a:buChar char="•"/>
+            </a:pPr>
+            <a:r>
+              <a:rPr lang="en-GB" b="1" dirty="0"/>
+              <a:t>Encoder</a:t>
+            </a:r>
+            <a:r>
+              <a:rPr lang="en-GB" dirty="0"/>
+              <a:t>: Compresses input x into a latent vector z</a:t>
+            </a:r>
+          </a:p>
+          <a:p>
+            <a:pPr>
+              <a:buFont typeface="Arial" panose="020B0604020202020204" pitchFamily="34" charset="0"/>
+              <a:buChar char="•"/>
+            </a:pPr>
+            <a:r>
+              <a:rPr lang="en-GB" b="1" dirty="0"/>
+              <a:t>Latent Space</a:t>
+            </a:r>
+            <a:r>
+              <a:rPr lang="en-GB" dirty="0"/>
+              <a:t>: Represents underlying structure in lower dimensions</a:t>
+            </a:r>
+          </a:p>
+          <a:p>
+            <a:pPr>
+              <a:buFont typeface="Arial" panose="020B0604020202020204" pitchFamily="34" charset="0"/>
+              <a:buChar char="•"/>
+            </a:pPr>
+            <a:r>
+              <a:rPr lang="en-GB" b="1" dirty="0"/>
+              <a:t>Decoder</a:t>
+            </a:r>
+            <a:r>
+              <a:rPr lang="en-GB" dirty="0"/>
+              <a:t>: Reconstructs the original input x^ from z</a:t>
+            </a:r>
+          </a:p>
+          <a:p>
+            <a:pPr>
+              <a:buFont typeface="Arial" panose="020B0604020202020204" pitchFamily="34" charset="0"/>
+              <a:buChar char="•"/>
+            </a:pPr>
+            <a:r>
+              <a:rPr lang="en-GB" dirty="0"/>
+              <a:t>Adds a </a:t>
+            </a:r>
+            <a:r>
+              <a:rPr lang="en-GB" b="1" dirty="0"/>
+              <a:t>KL-divergence term</a:t>
+            </a:r>
+            <a:r>
+              <a:rPr lang="en-GB" dirty="0"/>
+              <a:t> to encourage smooth latent distributions</a:t>
+            </a:r>
+          </a:p>
+          <a:p>
+            <a:endParaRPr lang="en-US" dirty="0"/>
+          </a:p>
+        </p:txBody>
+      </p:sp>
+    </p:spTree>
+    <p:extLst>
+      <p:ext uri="{BB962C8B-B14F-4D97-AF65-F5344CB8AC3E}">
+        <p14:creationId xmlns:p14="http://schemas.microsoft.com/office/powerpoint/2010/main" val="2238297230"/>
+      </p:ext>
+    </p:extLst>
+  </p:cSld>
+  <p:clrMapOvr>
+    <a:masterClrMapping/>
+  </p:clrMapOvr>
+</p:sld>
+</file>
+
+<file path=ppt/slides/slide34.xml><?xml version="1.0" encoding="utf-8"?>
+<p:sld xmlns:a="http://schemas.openxmlformats.org/drawingml/2006/main" xmlns:r="http://schemas.openxmlformats.org/officeDocument/2006/relationships" xmlns:p="http://schemas.openxmlformats.org/presentationml/2006/main">
+  <p:cSld>
+    <p:spTree>
+      <p:nvGrpSpPr>
+        <p:cNvPr id="1" name=""/>
+        <p:cNvGrpSpPr/>
+        <p:nvPr/>
+      </p:nvGrpSpPr>
+      <p:grpSpPr>
+        <a:xfrm>
+          <a:off x="0" y="0"/>
+          <a:ext cx="0" cy="0"/>
+          <a:chOff x="0" y="0"/>
+          <a:chExt cx="0" cy="0"/>
+        </a:xfrm>
+      </p:grpSpPr>
+      <p:sp>
+        <p:nvSpPr>
+          <p:cNvPr id="2" name="Title 1">
+            <a:extLst>
+              <a:ext uri="{FF2B5EF4-FFF2-40B4-BE49-F238E27FC236}">
+                <a16:creationId xmlns:a16="http://schemas.microsoft.com/office/drawing/2014/main" id="{E0E2BE5E-89F1-B2A6-EB1C-F7A8C87506F4}"/>
               </a:ext>
             </a:extLst>
           </p:cNvPr>
@@ -15280,9 +15704,10 @@
           <a:lstStyle/>
           <a:p>
             <a:r>
-              <a:rPr lang="en-US" dirty="0"/>
-              <a:t>References</a:t>
-            </a:r>
+              <a:rPr lang="en-GB" dirty="0"/>
+              <a:t>How VAE Works</a:t>
+            </a:r>
+            <a:endParaRPr lang="en-US" dirty="0"/>
           </a:p>
         </p:txBody>
       </p:sp>
@@ -15291,7 +15716,7 @@
           <p:cNvPr id="3" name="Content Placeholder 2">
             <a:extLst>
               <a:ext uri="{FF2B5EF4-FFF2-40B4-BE49-F238E27FC236}">
-                <a16:creationId xmlns:a16="http://schemas.microsoft.com/office/drawing/2014/main" id="{C7C664FE-A386-65E1-B038-A78AEF680A3F}"/>
+                <a16:creationId xmlns:a16="http://schemas.microsoft.com/office/drawing/2014/main" id="{FE0F8229-100B-9432-AD9B-D2F12B089B75}"/>
               </a:ext>
             </a:extLst>
           </p:cNvPr>
@@ -15302,76 +15727,1044 @@
             <p:ph idx="1"/>
           </p:nvPr>
         </p:nvSpPr>
-        <p:spPr/>
+        <p:spPr>
+          <a:xfrm>
+            <a:off x="640079" y="2292096"/>
+            <a:ext cx="10890928" cy="3566160"/>
+          </a:xfrm>
+        </p:spPr>
         <p:txBody>
-          <a:bodyPr/>
+          <a:bodyPr>
+            <a:noAutofit/>
+          </a:bodyPr>
           <a:lstStyle/>
           <a:p>
-            <a:r>
-              <a:rPr lang="en-US" dirty="0">
-                <a:hlinkClick r:id="rId2"/>
-              </a:rPr>
-              <a:t>https://github.com/rail-berkeley/d4rl</a:t>
-            </a:r>
-            <a:endParaRPr lang="en-US" dirty="0"/>
-          </a:p>
-          <a:p>
-            <a:r>
-              <a:rPr lang="en-GB" b="0" i="0" u="none" strike="noStrike" dirty="0">
-                <a:solidFill>
-                  <a:srgbClr val="000000"/>
-                </a:solidFill>
-                <a:effectLst/>
-                <a:latin typeface="-webkit-standard"/>
-                <a:hlinkClick r:id="rId3"/>
-              </a:rPr>
-              <a:t>https://huggingface.co/blog/offline-rl</a:t>
-            </a:r>
-            <a:endParaRPr lang="en-US" b="0" i="0" u="none" strike="noStrike" dirty="0">
-              <a:solidFill>
-                <a:srgbClr val="000000"/>
-              </a:solidFill>
-              <a:effectLst/>
-              <a:latin typeface="-webkit-standard"/>
-            </a:endParaRPr>
-          </a:p>
-          <a:p>
-            <a:r>
-              <a:rPr lang="en-US" dirty="0">
-                <a:hlinkClick r:id="rId4"/>
-              </a:rPr>
-              <a:t>https://github.com/vwxyzjn/cleanrl/blob/master/cleanrl/sac_continuous_action.py</a:t>
-            </a:r>
-            <a:endParaRPr lang="en-US" dirty="0">
-              <a:solidFill>
-                <a:srgbClr val="000000"/>
-              </a:solidFill>
-              <a:latin typeface="-webkit-standard"/>
-            </a:endParaRPr>
-          </a:p>
-          <a:p>
-            <a:r>
-              <a:rPr lang="en-US" dirty="0">
-                <a:hlinkClick r:id="rId5"/>
-              </a:rPr>
-              <a:t>https://spinningup.openai.com/en/latest/algorithms/sac.html</a:t>
-            </a:r>
-            <a:endParaRPr lang="en-US" dirty="0">
-              <a:solidFill>
-                <a:srgbClr val="000000"/>
-              </a:solidFill>
-              <a:latin typeface="-webkit-standard"/>
-            </a:endParaRPr>
-          </a:p>
-          <a:p>
-            <a:endParaRPr lang="en-US" dirty="0"/>
+            <a:pPr marL="0" indent="0">
+              <a:buNone/>
+            </a:pPr>
+            <a:r>
+              <a:rPr lang="en-GB" sz="1600" b="1" dirty="0"/>
+              <a:t>Encoder</a:t>
+            </a:r>
+            <a:r>
+              <a:rPr lang="en-GB" sz="1600" dirty="0"/>
+              <a:t>:</a:t>
+            </a:r>
+          </a:p>
+          <a:p>
+            <a:pPr>
+              <a:buFont typeface="Arial" panose="020B0604020202020204" pitchFamily="34" charset="0"/>
+              <a:buChar char="•"/>
+            </a:pPr>
+            <a:r>
+              <a:rPr lang="en-GB" sz="1600" dirty="0"/>
+              <a:t>Maps the input state </a:t>
+            </a:r>
+            <a:r>
+              <a:rPr lang="en-GB" sz="1600" b="1" dirty="0"/>
+              <a:t>x</a:t>
+            </a:r>
+            <a:r>
+              <a:rPr lang="en-GB" sz="1600" dirty="0"/>
+              <a:t> to a latent distribution </a:t>
+            </a:r>
+            <a:r>
+              <a:rPr lang="en-GB" sz="1600" b="1" dirty="0" err="1"/>
+              <a:t>z∼N</a:t>
+            </a:r>
+            <a:r>
+              <a:rPr lang="en-GB" sz="1600" b="1" dirty="0"/>
+              <a:t>(</a:t>
+            </a:r>
+            <a:r>
+              <a:rPr lang="el-GR" sz="1600" b="1" dirty="0" err="1"/>
+              <a:t>μ,σ</a:t>
+            </a:r>
+            <a:r>
+              <a:rPr lang="el-GR" sz="1600" b="1" dirty="0"/>
+              <a:t>)</a:t>
+            </a:r>
+            <a:r>
+              <a:rPr lang="en-GB" sz="1600" b="1" dirty="0"/>
+              <a:t> </a:t>
+            </a:r>
+          </a:p>
+          <a:p>
+            <a:pPr>
+              <a:buFont typeface="Arial" panose="020B0604020202020204" pitchFamily="34" charset="0"/>
+              <a:buChar char="•"/>
+            </a:pPr>
+            <a:r>
+              <a:rPr lang="en-GB" sz="1600" dirty="0"/>
+              <a:t>Produces a compressed latent representation: a vector that captures the most important information in the input.</a:t>
+            </a:r>
+            <a:endParaRPr lang="en-GB" sz="1600" b="1" dirty="0"/>
+          </a:p>
+          <a:p>
+            <a:pPr marL="0" indent="0">
+              <a:buNone/>
+            </a:pPr>
+            <a:r>
+              <a:rPr lang="en-GB" sz="1600" b="1" dirty="0"/>
+              <a:t>Decoder</a:t>
+            </a:r>
+            <a:r>
+              <a:rPr lang="en-GB" sz="1600" dirty="0"/>
+              <a:t>:</a:t>
+            </a:r>
+          </a:p>
+          <a:p>
+            <a:pPr>
+              <a:buFont typeface="Arial" panose="020B0604020202020204" pitchFamily="34" charset="0"/>
+              <a:buChar char="•"/>
+            </a:pPr>
+            <a:r>
+              <a:rPr lang="en-GB" sz="1600" dirty="0"/>
+              <a:t>Samples from the latent space </a:t>
+            </a:r>
+            <a:r>
+              <a:rPr lang="en-GB" sz="1600" b="1" dirty="0"/>
+              <a:t>z</a:t>
+            </a:r>
+            <a:r>
+              <a:rPr lang="en-GB" sz="1600" dirty="0"/>
+              <a:t> and reconstructs the input </a:t>
+            </a:r>
+            <a:r>
+              <a:rPr lang="en-GB" sz="1600" b="1" dirty="0"/>
+              <a:t>x^</a:t>
+            </a:r>
+            <a:r>
+              <a:rPr lang="en-GB" sz="1600" dirty="0"/>
+              <a:t>.</a:t>
+            </a:r>
+          </a:p>
+          <a:p>
+            <a:pPr>
+              <a:buFont typeface="Arial" panose="020B0604020202020204" pitchFamily="34" charset="0"/>
+              <a:buChar char="•"/>
+            </a:pPr>
+            <a:r>
+              <a:rPr lang="en-GB" sz="1600" dirty="0"/>
+              <a:t>Tries to generate a version of the original input using only the compressed code.</a:t>
+            </a:r>
+            <a:endParaRPr lang="en-GB" sz="1600" b="1" dirty="0"/>
+          </a:p>
+          <a:p>
+            <a:pPr marL="0" indent="0">
+              <a:buNone/>
+            </a:pPr>
+            <a:r>
+              <a:rPr lang="en-GB" sz="1600" b="1" dirty="0"/>
+              <a:t>Loss Function</a:t>
+            </a:r>
+            <a:r>
+              <a:rPr lang="en-GB" sz="1600" dirty="0"/>
+              <a:t>:</a:t>
+            </a:r>
+          </a:p>
+          <a:p>
+            <a:pPr>
+              <a:buFont typeface="Arial" panose="020B0604020202020204" pitchFamily="34" charset="0"/>
+              <a:buChar char="•"/>
+            </a:pPr>
+            <a:r>
+              <a:rPr lang="en-GB" sz="1600" dirty="0"/>
+              <a:t>Combines </a:t>
+            </a:r>
+            <a:r>
+              <a:rPr lang="en-GB" sz="1600" b="1" dirty="0"/>
+              <a:t>Reconstruction Loss</a:t>
+            </a:r>
+            <a:r>
+              <a:rPr lang="en-GB" sz="1600" dirty="0"/>
+              <a:t> (how close x^ is to x) and </a:t>
+            </a:r>
+            <a:r>
+              <a:rPr lang="en-GB" sz="1600" b="1" dirty="0"/>
+              <a:t>KL Divergence</a:t>
+            </a:r>
+            <a:r>
+              <a:rPr lang="en-GB" sz="1600" dirty="0"/>
+              <a:t> (how close the latent distribution is to a standard normal).</a:t>
+            </a:r>
+          </a:p>
+          <a:p>
+            <a:pPr>
+              <a:buFont typeface="Arial" panose="020B0604020202020204" pitchFamily="34" charset="0"/>
+              <a:buChar char="•"/>
+            </a:pPr>
+            <a:r>
+              <a:rPr lang="en-GB" sz="1600" dirty="0"/>
+              <a:t>Total loss = </a:t>
+            </a:r>
+            <a:r>
+              <a:rPr lang="en-GB" sz="1600" b="1" dirty="0"/>
+              <a:t>MSE(</a:t>
+            </a:r>
+            <a:r>
+              <a:rPr lang="en-GB" sz="1600" b="1" dirty="0" err="1"/>
+              <a:t>x,x</a:t>
+            </a:r>
+            <a:r>
+              <a:rPr lang="en-GB" sz="1600" b="1" dirty="0"/>
+              <a:t>^)+KL(q(</a:t>
+            </a:r>
+            <a:r>
+              <a:rPr lang="en-GB" sz="1600" b="1" dirty="0" err="1"/>
+              <a:t>z∣x</a:t>
+            </a:r>
+            <a:r>
+              <a:rPr lang="en-GB" sz="1600" b="1" dirty="0"/>
+              <a:t>)∥p(z))</a:t>
+            </a:r>
+            <a:endParaRPr lang="en-US" sz="1600" b="1" dirty="0"/>
           </a:p>
         </p:txBody>
       </p:sp>
     </p:spTree>
     <p:extLst>
       <p:ext uri="{BB962C8B-B14F-4D97-AF65-F5344CB8AC3E}">
-        <p14:creationId xmlns:p14="http://schemas.microsoft.com/office/powerpoint/2010/main" val="1639086512"/>
+        <p14:creationId xmlns:p14="http://schemas.microsoft.com/office/powerpoint/2010/main" val="715380142"/>
+      </p:ext>
+    </p:extLst>
+  </p:cSld>
+  <p:clrMapOvr>
+    <a:masterClrMapping/>
+  </p:clrMapOvr>
+</p:sld>
+</file>
+
+<file path=ppt/slides/slide35.xml><?xml version="1.0" encoding="utf-8"?>
+<p:sld xmlns:a="http://schemas.openxmlformats.org/drawingml/2006/main" xmlns:r="http://schemas.openxmlformats.org/officeDocument/2006/relationships" xmlns:p="http://schemas.openxmlformats.org/presentationml/2006/main">
+  <p:cSld>
+    <p:spTree>
+      <p:nvGrpSpPr>
+        <p:cNvPr id="1" name=""/>
+        <p:cNvGrpSpPr/>
+        <p:nvPr/>
+      </p:nvGrpSpPr>
+      <p:grpSpPr>
+        <a:xfrm>
+          <a:off x="0" y="0"/>
+          <a:ext cx="0" cy="0"/>
+          <a:chOff x="0" y="0"/>
+          <a:chExt cx="0" cy="0"/>
+        </a:xfrm>
+      </p:grpSpPr>
+      <p:sp>
+        <p:nvSpPr>
+          <p:cNvPr id="2" name="Title 1">
+            <a:extLst>
+              <a:ext uri="{FF2B5EF4-FFF2-40B4-BE49-F238E27FC236}">
+                <a16:creationId xmlns:a16="http://schemas.microsoft.com/office/drawing/2014/main" id="{E426089F-3FD2-D875-602E-0DBAC9AC763D}"/>
+              </a:ext>
+            </a:extLst>
+          </p:cNvPr>
+          <p:cNvSpPr>
+            <a:spLocks noGrp="1"/>
+          </p:cNvSpPr>
+          <p:nvPr>
+            <p:ph type="title"/>
+          </p:nvPr>
+        </p:nvSpPr>
+        <p:spPr/>
+        <p:txBody>
+          <a:bodyPr>
+            <a:normAutofit/>
+          </a:bodyPr>
+          <a:lstStyle/>
+          <a:p>
+            <a:r>
+              <a:rPr lang="en-GB" b="1" dirty="0"/>
+              <a:t>Why Use VAE?</a:t>
+            </a:r>
+            <a:endParaRPr lang="en-US" dirty="0"/>
+          </a:p>
+        </p:txBody>
+      </p:sp>
+      <p:sp>
+        <p:nvSpPr>
+          <p:cNvPr id="3" name="Content Placeholder 2">
+            <a:extLst>
+              <a:ext uri="{FF2B5EF4-FFF2-40B4-BE49-F238E27FC236}">
+                <a16:creationId xmlns:a16="http://schemas.microsoft.com/office/drawing/2014/main" id="{396C0741-ED11-F272-7B88-6D72F685BDE0}"/>
+              </a:ext>
+            </a:extLst>
+          </p:cNvPr>
+          <p:cNvSpPr>
+            <a:spLocks noGrp="1"/>
+          </p:cNvSpPr>
+          <p:nvPr>
+            <p:ph idx="1"/>
+          </p:nvPr>
+        </p:nvSpPr>
+        <p:spPr>
+          <a:xfrm>
+            <a:off x="640079" y="2334768"/>
+            <a:ext cx="11161777" cy="3785615"/>
+          </a:xfrm>
+        </p:spPr>
+        <p:txBody>
+          <a:bodyPr>
+            <a:normAutofit fontScale="92500" lnSpcReduction="10000"/>
+          </a:bodyPr>
+          <a:lstStyle/>
+          <a:p>
+            <a:pPr>
+              <a:buFont typeface="Arial" panose="020B0604020202020204" pitchFamily="34" charset="0"/>
+              <a:buChar char="•"/>
+            </a:pPr>
+            <a:r>
+              <a:rPr lang="en-GB" b="1" dirty="0"/>
+              <a:t>Improve Sample Efficiency</a:t>
+            </a:r>
+            <a:r>
+              <a:rPr lang="en-GB" dirty="0"/>
+              <a:t> in Offline Reinforcement Learning</a:t>
+            </a:r>
+            <a:br>
+              <a:rPr lang="en-GB" dirty="0"/>
+            </a:br>
+            <a:r>
+              <a:rPr lang="en-GB" dirty="0"/>
+              <a:t>Compressing states helps the agent learn faster from limited data</a:t>
+            </a:r>
+          </a:p>
+          <a:p>
+            <a:pPr>
+              <a:buFont typeface="Arial" panose="020B0604020202020204" pitchFamily="34" charset="0"/>
+              <a:buChar char="•"/>
+            </a:pPr>
+            <a:r>
+              <a:rPr lang="en-GB" b="1" dirty="0"/>
+              <a:t>Reduce Input Dimensionality</a:t>
+            </a:r>
+            <a:r>
+              <a:rPr lang="en-GB" dirty="0"/>
+              <a:t> for Downstream Agents (CQL / SAC)</a:t>
+            </a:r>
+            <a:br>
+              <a:rPr lang="en-GB" dirty="0"/>
+            </a:br>
+            <a:r>
+              <a:rPr lang="en-GB" dirty="0"/>
+              <a:t>Smaller state spaces speed up learning and reduce overfitting</a:t>
+            </a:r>
+          </a:p>
+          <a:p>
+            <a:pPr>
+              <a:buFont typeface="Arial" panose="020B0604020202020204" pitchFamily="34" charset="0"/>
+              <a:buChar char="•"/>
+            </a:pPr>
+            <a:r>
+              <a:rPr lang="en-GB" b="1" dirty="0"/>
+              <a:t>Regularize State Representations</a:t>
+            </a:r>
+            <a:br>
+              <a:rPr lang="en-GB" dirty="0"/>
+            </a:br>
+            <a:r>
+              <a:rPr lang="en-GB" dirty="0"/>
+              <a:t>Latent encodings enforce smoother, more structured representations</a:t>
+            </a:r>
+          </a:p>
+          <a:p>
+            <a:pPr>
+              <a:buFont typeface="Arial" panose="020B0604020202020204" pitchFamily="34" charset="0"/>
+              <a:buChar char="•"/>
+            </a:pPr>
+            <a:r>
+              <a:rPr lang="en-GB" b="1" dirty="0"/>
+              <a:t>Encourage Generalization</a:t>
+            </a:r>
+            <a:r>
+              <a:rPr lang="en-GB" dirty="0"/>
+              <a:t> in Data-Scarce Settings</a:t>
+            </a:r>
+            <a:br>
+              <a:rPr lang="en-GB" dirty="0"/>
+            </a:br>
+            <a:r>
+              <a:rPr lang="en-GB" dirty="0"/>
+              <a:t>Especially useful when the dataset is fixed and cannot be expanded</a:t>
+            </a:r>
+          </a:p>
+          <a:p>
+            <a:pPr marL="0" indent="0">
+              <a:buNone/>
+            </a:pPr>
+            <a:r>
+              <a:rPr lang="en-GB" dirty="0"/>
+              <a:t>We apply this approach to </a:t>
+            </a:r>
+            <a:r>
+              <a:rPr lang="en-GB" b="1" dirty="0"/>
+              <a:t>LunarLanderContinuous-v2</a:t>
+            </a:r>
+            <a:r>
+              <a:rPr lang="en-GB" dirty="0"/>
+              <a:t> to assess the impact of learned latent representations on policy performance.</a:t>
+            </a:r>
+          </a:p>
+          <a:p>
+            <a:endParaRPr lang="en-US" dirty="0"/>
+          </a:p>
+        </p:txBody>
+      </p:sp>
+    </p:spTree>
+    <p:extLst>
+      <p:ext uri="{BB962C8B-B14F-4D97-AF65-F5344CB8AC3E}">
+        <p14:creationId xmlns:p14="http://schemas.microsoft.com/office/powerpoint/2010/main" val="2534749614"/>
+      </p:ext>
+    </p:extLst>
+  </p:cSld>
+  <p:clrMapOvr>
+    <a:masterClrMapping/>
+  </p:clrMapOvr>
+</p:sld>
+</file>
+
+<file path=ppt/slides/slide36.xml><?xml version="1.0" encoding="utf-8"?>
+<p:sld xmlns:a="http://schemas.openxmlformats.org/drawingml/2006/main" xmlns:r="http://schemas.openxmlformats.org/officeDocument/2006/relationships" xmlns:p="http://schemas.openxmlformats.org/presentationml/2006/main">
+  <p:cSld>
+    <p:spTree>
+      <p:nvGrpSpPr>
+        <p:cNvPr id="1" name=""/>
+        <p:cNvGrpSpPr/>
+        <p:nvPr/>
+      </p:nvGrpSpPr>
+      <p:grpSpPr>
+        <a:xfrm>
+          <a:off x="0" y="0"/>
+          <a:ext cx="0" cy="0"/>
+          <a:chOff x="0" y="0"/>
+          <a:chExt cx="0" cy="0"/>
+        </a:xfrm>
+      </p:grpSpPr>
+      <p:sp>
+        <p:nvSpPr>
+          <p:cNvPr id="2" name="Title 1">
+            <a:extLst>
+              <a:ext uri="{FF2B5EF4-FFF2-40B4-BE49-F238E27FC236}">
+                <a16:creationId xmlns:a16="http://schemas.microsoft.com/office/drawing/2014/main" id="{4D84CFA4-A497-8B16-E2E4-1545952DCF78}"/>
+              </a:ext>
+            </a:extLst>
+          </p:cNvPr>
+          <p:cNvSpPr>
+            <a:spLocks noGrp="1"/>
+          </p:cNvSpPr>
+          <p:nvPr>
+            <p:ph type="title"/>
+          </p:nvPr>
+        </p:nvSpPr>
+        <p:spPr/>
+        <p:txBody>
+          <a:bodyPr/>
+          <a:lstStyle/>
+          <a:p>
+            <a:r>
+              <a:rPr lang="en-US" dirty="0"/>
+              <a:t>VAE Implementation</a:t>
+            </a:r>
+          </a:p>
+        </p:txBody>
+      </p:sp>
+      <p:sp>
+        <p:nvSpPr>
+          <p:cNvPr id="3" name="Content Placeholder 2">
+            <a:extLst>
+              <a:ext uri="{FF2B5EF4-FFF2-40B4-BE49-F238E27FC236}">
+                <a16:creationId xmlns:a16="http://schemas.microsoft.com/office/drawing/2014/main" id="{9DE876B8-888B-070A-E276-910AD75F8015}"/>
+              </a:ext>
+            </a:extLst>
+          </p:cNvPr>
+          <p:cNvSpPr>
+            <a:spLocks noGrp="1"/>
+          </p:cNvSpPr>
+          <p:nvPr>
+            <p:ph idx="1"/>
+          </p:nvPr>
+        </p:nvSpPr>
+        <p:spPr>
+          <a:xfrm>
+            <a:off x="640079" y="2170176"/>
+            <a:ext cx="10890928" cy="3566160"/>
+          </a:xfrm>
+        </p:spPr>
+        <p:txBody>
+          <a:bodyPr>
+            <a:normAutofit fontScale="92500" lnSpcReduction="10000"/>
+          </a:bodyPr>
+          <a:lstStyle/>
+          <a:p>
+            <a:r>
+              <a:rPr lang="en-GB" dirty="0"/>
+              <a:t>Trained Variational Autoencoder (VAE) using normalized state vectors from the offline replay buffer (States were </a:t>
+            </a:r>
+            <a:r>
+              <a:rPr lang="en-GB" b="1" dirty="0"/>
+              <a:t>normalized before training</a:t>
+            </a:r>
+            <a:r>
+              <a:rPr lang="en-GB" dirty="0"/>
+              <a:t> to zero mean and unit variance and to Ensures </a:t>
+            </a:r>
+            <a:r>
+              <a:rPr lang="en-GB" b="1" dirty="0"/>
+              <a:t>stable VAE learning</a:t>
+            </a:r>
+            <a:r>
+              <a:rPr lang="en-GB" dirty="0"/>
+              <a:t> and balanced gradients)</a:t>
+            </a:r>
+          </a:p>
+          <a:p>
+            <a:pPr marL="0" indent="0">
+              <a:buNone/>
+            </a:pPr>
+            <a:r>
+              <a:rPr lang="en-GB" b="1" dirty="0"/>
+              <a:t>Input dimension: 8 (original </a:t>
+            </a:r>
+            <a:r>
+              <a:rPr lang="en-GB" b="1" dirty="0" err="1"/>
+              <a:t>LunarLander</a:t>
+            </a:r>
+            <a:r>
+              <a:rPr lang="en-GB" b="1" dirty="0"/>
+              <a:t> state)</a:t>
+            </a:r>
+          </a:p>
+          <a:p>
+            <a:pPr>
+              <a:buFont typeface="Arial" panose="020B0604020202020204" pitchFamily="34" charset="0"/>
+              <a:buChar char="•"/>
+            </a:pPr>
+            <a:r>
+              <a:rPr lang="en-GB" dirty="0"/>
+              <a:t>Trained models with varying latent dimensions:</a:t>
+            </a:r>
+          </a:p>
+          <a:p>
+            <a:pPr marL="742950" lvl="1" indent="-285750">
+              <a:buFont typeface="Arial" panose="020B0604020202020204" pitchFamily="34" charset="0"/>
+              <a:buChar char="•"/>
+            </a:pPr>
+            <a:r>
+              <a:rPr lang="en-GB" b="1" dirty="0"/>
+              <a:t>6D</a:t>
+            </a:r>
+            <a:r>
+              <a:rPr lang="en-GB" dirty="0"/>
+              <a:t> – Moderate compression</a:t>
+            </a:r>
+          </a:p>
+          <a:p>
+            <a:pPr marL="742950" lvl="1" indent="-285750">
+              <a:buFont typeface="Arial" panose="020B0604020202020204" pitchFamily="34" charset="0"/>
+              <a:buChar char="•"/>
+            </a:pPr>
+            <a:r>
+              <a:rPr lang="en-GB" b="1" dirty="0"/>
+              <a:t>4D</a:t>
+            </a:r>
+            <a:r>
+              <a:rPr lang="en-GB" dirty="0"/>
+              <a:t> – Higher compression</a:t>
+            </a:r>
+          </a:p>
+          <a:p>
+            <a:pPr marL="0" indent="0">
+              <a:buNone/>
+            </a:pPr>
+            <a:r>
+              <a:rPr lang="en-GB" dirty="0"/>
+              <a:t>Trained VAE weights saved as .pt files and Normalization stats (mean, std) saved as .</a:t>
+            </a:r>
+            <a:r>
+              <a:rPr lang="en-GB" dirty="0" err="1"/>
+              <a:t>pkl</a:t>
+            </a:r>
+            <a:r>
+              <a:rPr lang="en-GB" dirty="0"/>
+              <a:t> for consistent use during encoding</a:t>
+            </a:r>
+          </a:p>
+          <a:p>
+            <a:pPr marL="457200" lvl="1" indent="0">
+              <a:buNone/>
+            </a:pPr>
+            <a:endParaRPr lang="en-GB" dirty="0"/>
+          </a:p>
+          <a:p>
+            <a:endParaRPr lang="en-US" dirty="0"/>
+          </a:p>
+        </p:txBody>
+      </p:sp>
+    </p:spTree>
+    <p:extLst>
+      <p:ext uri="{BB962C8B-B14F-4D97-AF65-F5344CB8AC3E}">
+        <p14:creationId xmlns:p14="http://schemas.microsoft.com/office/powerpoint/2010/main" val="1276490308"/>
+      </p:ext>
+    </p:extLst>
+  </p:cSld>
+  <p:clrMapOvr>
+    <a:masterClrMapping/>
+  </p:clrMapOvr>
+</p:sld>
+</file>
+
+<file path=ppt/slides/slide37.xml><?xml version="1.0" encoding="utf-8"?>
+<p:sld xmlns:a="http://schemas.openxmlformats.org/drawingml/2006/main" xmlns:r="http://schemas.openxmlformats.org/officeDocument/2006/relationships" xmlns:p="http://schemas.openxmlformats.org/presentationml/2006/main">
+  <p:cSld>
+    <p:spTree>
+      <p:nvGrpSpPr>
+        <p:cNvPr id="1" name=""/>
+        <p:cNvGrpSpPr/>
+        <p:nvPr/>
+      </p:nvGrpSpPr>
+      <p:grpSpPr>
+        <a:xfrm>
+          <a:off x="0" y="0"/>
+          <a:ext cx="0" cy="0"/>
+          <a:chOff x="0" y="0"/>
+          <a:chExt cx="0" cy="0"/>
+        </a:xfrm>
+      </p:grpSpPr>
+      <p:sp>
+        <p:nvSpPr>
+          <p:cNvPr id="2" name="Title 1">
+            <a:extLst>
+              <a:ext uri="{FF2B5EF4-FFF2-40B4-BE49-F238E27FC236}">
+                <a16:creationId xmlns:a16="http://schemas.microsoft.com/office/drawing/2014/main" id="{963DD8DF-5BC5-5928-4CD1-587759D5D230}"/>
+              </a:ext>
+            </a:extLst>
+          </p:cNvPr>
+          <p:cNvSpPr>
+            <a:spLocks noGrp="1"/>
+          </p:cNvSpPr>
+          <p:nvPr>
+            <p:ph type="title"/>
+          </p:nvPr>
+        </p:nvSpPr>
+        <p:spPr/>
+        <p:txBody>
+          <a:bodyPr/>
+          <a:lstStyle/>
+          <a:p>
+            <a:r>
+              <a:rPr lang="en-US" dirty="0"/>
+              <a:t>VAE </a:t>
+            </a:r>
+            <a:r>
+              <a:rPr lang="en-GB" dirty="0"/>
+              <a:t>Integration with CQL</a:t>
+            </a:r>
+            <a:endParaRPr lang="en-US" dirty="0"/>
+          </a:p>
+        </p:txBody>
+      </p:sp>
+      <p:sp>
+        <p:nvSpPr>
+          <p:cNvPr id="3" name="Content Placeholder 2">
+            <a:extLst>
+              <a:ext uri="{FF2B5EF4-FFF2-40B4-BE49-F238E27FC236}">
+                <a16:creationId xmlns:a16="http://schemas.microsoft.com/office/drawing/2014/main" id="{77A55186-C7C4-4BF6-67AD-851BDC2E0FDF}"/>
+              </a:ext>
+            </a:extLst>
+          </p:cNvPr>
+          <p:cNvSpPr>
+            <a:spLocks noGrp="1"/>
+          </p:cNvSpPr>
+          <p:nvPr>
+            <p:ph idx="1"/>
+          </p:nvPr>
+        </p:nvSpPr>
+        <p:spPr>
+          <a:xfrm>
+            <a:off x="640080" y="2468881"/>
+            <a:ext cx="10890928" cy="3566160"/>
+          </a:xfrm>
+        </p:spPr>
+        <p:txBody>
+          <a:bodyPr>
+            <a:normAutofit fontScale="77500" lnSpcReduction="20000"/>
+          </a:bodyPr>
+          <a:lstStyle/>
+          <a:p>
+            <a:pPr marL="0" indent="0">
+              <a:buNone/>
+            </a:pPr>
+            <a:r>
+              <a:rPr lang="en-GB" dirty="0"/>
+              <a:t>During both training and evaluation, the agent processes states as follows:</a:t>
+            </a:r>
+          </a:p>
+          <a:p>
+            <a:pPr marL="0" indent="0">
+              <a:buNone/>
+            </a:pPr>
+            <a:r>
+              <a:rPr lang="en-GB" b="1" dirty="0"/>
+              <a:t>Raw State → Normalized → Encoded by VAE → Passed to Policy &amp; Critic Networks</a:t>
+            </a:r>
+            <a:endParaRPr lang="en-GB" dirty="0"/>
+          </a:p>
+          <a:p>
+            <a:pPr>
+              <a:buFont typeface="Arial" panose="020B0604020202020204" pitchFamily="34" charset="0"/>
+              <a:buChar char="•"/>
+            </a:pPr>
+            <a:r>
+              <a:rPr lang="en-GB" b="1" dirty="0"/>
+              <a:t>Normalization</a:t>
+            </a:r>
+            <a:r>
+              <a:rPr lang="en-GB" dirty="0"/>
+              <a:t>: Raw environment states are first normalized using the dataset’s mean and standard deviation to ensure consistent input scaling.</a:t>
+            </a:r>
+          </a:p>
+          <a:p>
+            <a:pPr>
+              <a:buFont typeface="Arial" panose="020B0604020202020204" pitchFamily="34" charset="0"/>
+              <a:buChar char="•"/>
+            </a:pPr>
+            <a:r>
+              <a:rPr lang="en-GB" b="1" dirty="0"/>
+              <a:t>VAE Encoding</a:t>
+            </a:r>
+            <a:r>
+              <a:rPr lang="en-GB" dirty="0"/>
+              <a:t>: The normalized state is passed through the trained VAE encoder, which compresses it into a lower-dimensional latent vector. This vector captures the essential structure of the state while filtering out noise.</a:t>
+            </a:r>
+          </a:p>
+          <a:p>
+            <a:pPr>
+              <a:buFont typeface="Arial" panose="020B0604020202020204" pitchFamily="34" charset="0"/>
+              <a:buChar char="•"/>
+            </a:pPr>
+            <a:r>
+              <a:rPr lang="en-GB" b="1" dirty="0"/>
+              <a:t>Input to CQL</a:t>
+            </a:r>
+            <a:r>
+              <a:rPr lang="en-GB" dirty="0"/>
+              <a:t>: The resulting latent representation is used as input to the CQL agent’s policy (actor) and Q-function (critic) networks instead of the full original state.</a:t>
+            </a:r>
+          </a:p>
+          <a:p>
+            <a:pPr marL="0" indent="0">
+              <a:buNone/>
+            </a:pPr>
+            <a:endParaRPr lang="en-GB" dirty="0"/>
+          </a:p>
+          <a:p>
+            <a:pPr marL="0" indent="0">
+              <a:buNone/>
+            </a:pPr>
+            <a:r>
+              <a:rPr lang="en-GB" dirty="0"/>
+              <a:t>This approach allows the CQL agent to learn from a </a:t>
+            </a:r>
+            <a:r>
+              <a:rPr lang="en-GB" b="1" dirty="0"/>
+              <a:t>compressed, denoised</a:t>
+            </a:r>
+            <a:r>
+              <a:rPr lang="en-GB" dirty="0"/>
+              <a:t>, and </a:t>
+            </a:r>
+            <a:r>
+              <a:rPr lang="en-GB" b="1" dirty="0"/>
+              <a:t>regularized representation</a:t>
+            </a:r>
+            <a:r>
+              <a:rPr lang="en-GB" dirty="0"/>
+              <a:t> of the environment, which can improve </a:t>
+            </a:r>
+            <a:r>
+              <a:rPr lang="en-GB" b="1" dirty="0"/>
+              <a:t>sample efficiency</a:t>
+            </a:r>
+            <a:endParaRPr lang="en-GB" dirty="0"/>
+          </a:p>
+          <a:p>
+            <a:endParaRPr lang="en-US" dirty="0"/>
+          </a:p>
+        </p:txBody>
+      </p:sp>
+    </p:spTree>
+    <p:extLst>
+      <p:ext uri="{BB962C8B-B14F-4D97-AF65-F5344CB8AC3E}">
+        <p14:creationId xmlns:p14="http://schemas.microsoft.com/office/powerpoint/2010/main" val="1418835701"/>
+      </p:ext>
+    </p:extLst>
+  </p:cSld>
+  <p:clrMapOvr>
+    <a:masterClrMapping/>
+  </p:clrMapOvr>
+</p:sld>
+</file>
+
+<file path=ppt/slides/slide38.xml><?xml version="1.0" encoding="utf-8"?>
+<p:sld xmlns:a="http://schemas.openxmlformats.org/drawingml/2006/main" xmlns:r="http://schemas.openxmlformats.org/officeDocument/2006/relationships" xmlns:p="http://schemas.openxmlformats.org/presentationml/2006/main">
+  <p:cSld>
+    <p:spTree>
+      <p:nvGrpSpPr>
+        <p:cNvPr id="1" name=""/>
+        <p:cNvGrpSpPr/>
+        <p:nvPr/>
+      </p:nvGrpSpPr>
+      <p:grpSpPr>
+        <a:xfrm>
+          <a:off x="0" y="0"/>
+          <a:ext cx="0" cy="0"/>
+          <a:chOff x="0" y="0"/>
+          <a:chExt cx="0" cy="0"/>
+        </a:xfrm>
+      </p:grpSpPr>
+      <p:sp>
+        <p:nvSpPr>
+          <p:cNvPr id="2" name="Title 1">
+            <a:extLst>
+              <a:ext uri="{FF2B5EF4-FFF2-40B4-BE49-F238E27FC236}">
+                <a16:creationId xmlns:a16="http://schemas.microsoft.com/office/drawing/2014/main" id="{5D69140F-4DAF-C3DB-1C23-05C3BFF24AF6}"/>
+              </a:ext>
+            </a:extLst>
+          </p:cNvPr>
+          <p:cNvSpPr>
+            <a:spLocks noGrp="1"/>
+          </p:cNvSpPr>
+          <p:nvPr>
+            <p:ph type="title"/>
+          </p:nvPr>
+        </p:nvSpPr>
+        <p:spPr>
+          <a:xfrm>
+            <a:off x="650535" y="1213105"/>
+            <a:ext cx="10890929" cy="731519"/>
+          </a:xfrm>
+        </p:spPr>
+        <p:txBody>
+          <a:bodyPr/>
+          <a:lstStyle/>
+          <a:p>
+            <a:r>
+              <a:rPr lang="en-US" dirty="0"/>
+              <a:t>VAE Training - Results</a:t>
+            </a:r>
+          </a:p>
+        </p:txBody>
+      </p:sp>
+      <p:sp>
+        <p:nvSpPr>
+          <p:cNvPr id="8" name="TextBox 7">
+            <a:extLst>
+              <a:ext uri="{FF2B5EF4-FFF2-40B4-BE49-F238E27FC236}">
+                <a16:creationId xmlns:a16="http://schemas.microsoft.com/office/drawing/2014/main" id="{1CFE6127-9287-686B-E1E4-4BBA10CD66DB}"/>
+              </a:ext>
+            </a:extLst>
+          </p:cNvPr>
+          <p:cNvSpPr txBox="1"/>
+          <p:nvPr/>
+        </p:nvSpPr>
+        <p:spPr>
+          <a:xfrm>
+            <a:off x="8205216" y="1810512"/>
+            <a:ext cx="3669792" cy="4524315"/>
+          </a:xfrm>
+          <a:prstGeom prst="rect">
+            <a:avLst/>
+          </a:prstGeom>
+          <a:noFill/>
+        </p:spPr>
+        <p:txBody>
+          <a:bodyPr wrap="square">
+            <a:spAutoFit/>
+          </a:bodyPr>
+          <a:lstStyle/>
+          <a:p>
+            <a:r>
+              <a:rPr lang="en-GB" dirty="0"/>
+              <a:t>The VAE models with 4D and 6D latent spaces were successfully trained and converged within 100 epochs. As expected, the 6D model achieved a lower loss than the 4D model, indicating better reconstruction accuracy. </a:t>
+            </a:r>
+          </a:p>
+          <a:p>
+            <a:endParaRPr lang="en-GB" dirty="0"/>
+          </a:p>
+          <a:p>
+            <a:r>
+              <a:rPr lang="en-GB" dirty="0"/>
+              <a:t>The 6D model retained more information from the original state, the 4D model offered stronger compression at the cost of some fidelity. Both results are within acceptable ranges, confirming that our VAE is functional and ready for RL integration.</a:t>
+            </a:r>
+            <a:endParaRPr lang="en-US" dirty="0"/>
+          </a:p>
+        </p:txBody>
+      </p:sp>
+      <p:pic>
+        <p:nvPicPr>
+          <p:cNvPr id="10" name="Picture 9" descr="A graph of a training loss&#10;&#10;Description automatically generated">
+            <a:extLst>
+              <a:ext uri="{FF2B5EF4-FFF2-40B4-BE49-F238E27FC236}">
+                <a16:creationId xmlns:a16="http://schemas.microsoft.com/office/drawing/2014/main" id="{61E6BA79-B750-544E-7FDF-4DF58B784D32}"/>
+              </a:ext>
+            </a:extLst>
+          </p:cNvPr>
+          <p:cNvPicPr>
+            <a:picLocks noChangeAspect="1"/>
+          </p:cNvPicPr>
+          <p:nvPr/>
+        </p:nvPicPr>
+        <p:blipFill>
+          <a:blip r:embed="rId2"/>
+          <a:stretch>
+            <a:fillRect/>
+          </a:stretch>
+        </p:blipFill>
+        <p:spPr>
+          <a:xfrm>
+            <a:off x="516753" y="2125863"/>
+            <a:ext cx="7315200" cy="4572000"/>
+          </a:xfrm>
+          <a:prstGeom prst="rect">
+            <a:avLst/>
+          </a:prstGeom>
+        </p:spPr>
+      </p:pic>
+    </p:spTree>
+    <p:extLst>
+      <p:ext uri="{BB962C8B-B14F-4D97-AF65-F5344CB8AC3E}">
+        <p14:creationId xmlns:p14="http://schemas.microsoft.com/office/powerpoint/2010/main" val="835420552"/>
+      </p:ext>
+    </p:extLst>
+  </p:cSld>
+  <p:clrMapOvr>
+    <a:masterClrMapping/>
+  </p:clrMapOvr>
+</p:sld>
+</file>
+
+<file path=ppt/slides/slide39.xml><?xml version="1.0" encoding="utf-8"?>
+<p:sld xmlns:a="http://schemas.openxmlformats.org/drawingml/2006/main" xmlns:r="http://schemas.openxmlformats.org/officeDocument/2006/relationships" xmlns:p="http://schemas.openxmlformats.org/presentationml/2006/main">
+  <p:cSld>
+    <p:spTree>
+      <p:nvGrpSpPr>
+        <p:cNvPr id="1" name=""/>
+        <p:cNvGrpSpPr/>
+        <p:nvPr/>
+      </p:nvGrpSpPr>
+      <p:grpSpPr>
+        <a:xfrm>
+          <a:off x="0" y="0"/>
+          <a:ext cx="0" cy="0"/>
+          <a:chOff x="0" y="0"/>
+          <a:chExt cx="0" cy="0"/>
+        </a:xfrm>
+      </p:grpSpPr>
+      <p:sp>
+        <p:nvSpPr>
+          <p:cNvPr id="2" name="Title 1">
+            <a:extLst>
+              <a:ext uri="{FF2B5EF4-FFF2-40B4-BE49-F238E27FC236}">
+                <a16:creationId xmlns:a16="http://schemas.microsoft.com/office/drawing/2014/main" id="{B37822C9-D05C-C847-0C8F-6BEAF49B4264}"/>
+              </a:ext>
+            </a:extLst>
+          </p:cNvPr>
+          <p:cNvSpPr>
+            <a:spLocks noGrp="1"/>
+          </p:cNvSpPr>
+          <p:nvPr>
+            <p:ph type="title"/>
+          </p:nvPr>
+        </p:nvSpPr>
+        <p:spPr>
+          <a:xfrm>
+            <a:off x="650535" y="1097280"/>
+            <a:ext cx="10890929" cy="804672"/>
+          </a:xfrm>
+        </p:spPr>
+        <p:txBody>
+          <a:bodyPr/>
+          <a:lstStyle/>
+          <a:p>
+            <a:r>
+              <a:rPr lang="en-US" dirty="0"/>
+              <a:t>CQL SAC Performance with VAE (6D, 4D)</a:t>
+            </a:r>
+          </a:p>
+        </p:txBody>
+      </p:sp>
+      <p:pic>
+        <p:nvPicPr>
+          <p:cNvPr id="11" name="Picture 10" descr="A graph with blue and orange lines&#10;&#10;Description automatically generated">
+            <a:extLst>
+              <a:ext uri="{FF2B5EF4-FFF2-40B4-BE49-F238E27FC236}">
+                <a16:creationId xmlns:a16="http://schemas.microsoft.com/office/drawing/2014/main" id="{ADE732BE-E543-E9A3-AE18-24A250922C31}"/>
+              </a:ext>
+            </a:extLst>
+          </p:cNvPr>
+          <p:cNvPicPr>
+            <a:picLocks noChangeAspect="1"/>
+          </p:cNvPicPr>
+          <p:nvPr/>
+        </p:nvPicPr>
+        <p:blipFill>
+          <a:blip r:embed="rId2"/>
+          <a:stretch>
+            <a:fillRect/>
+          </a:stretch>
+        </p:blipFill>
+        <p:spPr>
+          <a:xfrm>
+            <a:off x="650535" y="1792224"/>
+            <a:ext cx="8260080" cy="4956048"/>
+          </a:xfrm>
+          <a:prstGeom prst="rect">
+            <a:avLst/>
+          </a:prstGeom>
+        </p:spPr>
+      </p:pic>
+      <p:sp>
+        <p:nvSpPr>
+          <p:cNvPr id="12" name="TextBox 11">
+            <a:extLst>
+              <a:ext uri="{FF2B5EF4-FFF2-40B4-BE49-F238E27FC236}">
+                <a16:creationId xmlns:a16="http://schemas.microsoft.com/office/drawing/2014/main" id="{682ED9DD-1512-DA15-A7AE-9D49606ED9D0}"/>
+              </a:ext>
+            </a:extLst>
+          </p:cNvPr>
+          <p:cNvSpPr txBox="1"/>
+          <p:nvPr/>
+        </p:nvSpPr>
+        <p:spPr>
+          <a:xfrm>
+            <a:off x="8995959" y="2621399"/>
+            <a:ext cx="3096768" cy="3693319"/>
+          </a:xfrm>
+          <a:prstGeom prst="rect">
+            <a:avLst/>
+          </a:prstGeom>
+          <a:noFill/>
+        </p:spPr>
+        <p:txBody>
+          <a:bodyPr wrap="square">
+            <a:spAutoFit/>
+          </a:bodyPr>
+          <a:lstStyle/>
+          <a:p>
+            <a:r>
+              <a:rPr lang="en-GB" dirty="0"/>
+              <a:t>The results were poor compared to our previous ones and overall, both models operate in a low-scoring regime, This indicates a trade-off: the 4D model benefits from more aggressive compression, which might force better generalization in some phases, while the 6D model offers more stability by retaining more information.</a:t>
+            </a:r>
+            <a:endParaRPr lang="en-US" dirty="0"/>
+          </a:p>
+        </p:txBody>
+      </p:sp>
+    </p:spTree>
+    <p:extLst>
+      <p:ext uri="{BB962C8B-B14F-4D97-AF65-F5344CB8AC3E}">
+        <p14:creationId xmlns:p14="http://schemas.microsoft.com/office/powerpoint/2010/main" val="2983344256"/>
       </p:ext>
     </p:extLst>
   </p:cSld>
@@ -15612,6 +17005,1131 @@
     <p:extLst>
       <p:ext uri="{BB962C8B-B14F-4D97-AF65-F5344CB8AC3E}">
         <p14:creationId xmlns:p14="http://schemas.microsoft.com/office/powerpoint/2010/main" val="3651778479"/>
+      </p:ext>
+    </p:extLst>
+  </p:cSld>
+  <p:clrMapOvr>
+    <a:masterClrMapping/>
+  </p:clrMapOvr>
+</p:sld>
+</file>
+
+<file path=ppt/slides/slide40.xml><?xml version="1.0" encoding="utf-8"?>
+<p:sld xmlns:a="http://schemas.openxmlformats.org/drawingml/2006/main" xmlns:r="http://schemas.openxmlformats.org/officeDocument/2006/relationships" xmlns:p="http://schemas.openxmlformats.org/presentationml/2006/main">
+  <p:cSld>
+    <p:spTree>
+      <p:nvGrpSpPr>
+        <p:cNvPr id="1" name=""/>
+        <p:cNvGrpSpPr/>
+        <p:nvPr/>
+      </p:nvGrpSpPr>
+      <p:grpSpPr>
+        <a:xfrm>
+          <a:off x="0" y="0"/>
+          <a:ext cx="0" cy="0"/>
+          <a:chOff x="0" y="0"/>
+          <a:chExt cx="0" cy="0"/>
+        </a:xfrm>
+      </p:grpSpPr>
+      <p:sp>
+        <p:nvSpPr>
+          <p:cNvPr id="2" name="Title 1">
+            <a:extLst>
+              <a:ext uri="{FF2B5EF4-FFF2-40B4-BE49-F238E27FC236}">
+                <a16:creationId xmlns:a16="http://schemas.microsoft.com/office/drawing/2014/main" id="{DCEDACDD-F9CB-11C1-9847-EE6430C88D57}"/>
+              </a:ext>
+            </a:extLst>
+          </p:cNvPr>
+          <p:cNvSpPr>
+            <a:spLocks noGrp="1"/>
+          </p:cNvSpPr>
+          <p:nvPr>
+            <p:ph type="title"/>
+          </p:nvPr>
+        </p:nvSpPr>
+        <p:spPr/>
+        <p:txBody>
+          <a:bodyPr/>
+          <a:lstStyle/>
+          <a:p>
+            <a:r>
+              <a:rPr lang="en-US" dirty="0"/>
+              <a:t>Why VAE doesn’t improve </a:t>
+            </a:r>
+            <a:r>
+              <a:rPr lang="en-US" dirty="0" err="1"/>
+              <a:t>LunarLander</a:t>
+            </a:r>
+            <a:endParaRPr lang="en-US" dirty="0"/>
+          </a:p>
+        </p:txBody>
+      </p:sp>
+      <p:sp>
+        <p:nvSpPr>
+          <p:cNvPr id="3" name="Content Placeholder 2">
+            <a:extLst>
+              <a:ext uri="{FF2B5EF4-FFF2-40B4-BE49-F238E27FC236}">
+                <a16:creationId xmlns:a16="http://schemas.microsoft.com/office/drawing/2014/main" id="{0B259A16-274F-FF96-A104-79A28217D797}"/>
+              </a:ext>
+            </a:extLst>
+          </p:cNvPr>
+          <p:cNvSpPr>
+            <a:spLocks noGrp="1"/>
+          </p:cNvSpPr>
+          <p:nvPr>
+            <p:ph idx="1"/>
+          </p:nvPr>
+        </p:nvSpPr>
+        <p:spPr/>
+        <p:txBody>
+          <a:bodyPr/>
+          <a:lstStyle/>
+          <a:p>
+            <a:pPr>
+              <a:buFont typeface="Arial" panose="020B0604020202020204" pitchFamily="34" charset="0"/>
+              <a:buChar char="•"/>
+            </a:pPr>
+            <a:r>
+              <a:rPr lang="en-GB" b="1" dirty="0"/>
+              <a:t>LunarLanderContinuous-v2</a:t>
+            </a:r>
+            <a:r>
+              <a:rPr lang="en-GB" dirty="0"/>
+              <a:t> has </a:t>
+            </a:r>
+            <a:r>
+              <a:rPr lang="en-GB" b="1" dirty="0"/>
+              <a:t>8 continuous state features</a:t>
+            </a:r>
+            <a:r>
+              <a:rPr lang="en-GB" dirty="0"/>
+              <a:t>:</a:t>
+            </a:r>
+            <a:br>
+              <a:rPr lang="en-GB" dirty="0"/>
+            </a:br>
+            <a:r>
+              <a:rPr lang="en-GB" dirty="0"/>
+              <a:t>x-</a:t>
+            </a:r>
+            <a:r>
+              <a:rPr lang="en-GB" dirty="0" err="1"/>
+              <a:t>pos</a:t>
+            </a:r>
+            <a:r>
+              <a:rPr lang="en-GB" dirty="0"/>
+              <a:t>, y-</a:t>
+            </a:r>
+            <a:r>
+              <a:rPr lang="en-GB" dirty="0" err="1"/>
+              <a:t>pos</a:t>
+            </a:r>
+            <a:r>
+              <a:rPr lang="en-GB" dirty="0"/>
+              <a:t>, x-</a:t>
+            </a:r>
+            <a:r>
+              <a:rPr lang="en-GB" dirty="0" err="1"/>
+              <a:t>vel</a:t>
+            </a:r>
+            <a:r>
+              <a:rPr lang="en-GB" dirty="0"/>
+              <a:t>, y-</a:t>
+            </a:r>
+            <a:r>
+              <a:rPr lang="en-GB" dirty="0" err="1"/>
+              <a:t>vel</a:t>
+            </a:r>
+            <a:r>
+              <a:rPr lang="en-GB" dirty="0"/>
+              <a:t>, angle, angular-</a:t>
+            </a:r>
+            <a:r>
+              <a:rPr lang="en-GB" dirty="0" err="1"/>
+              <a:t>vel</a:t>
+            </a:r>
+            <a:r>
+              <a:rPr lang="en-GB" dirty="0"/>
+              <a:t>, left-leg-contact, right-leg-contact.</a:t>
+            </a:r>
+          </a:p>
+          <a:p>
+            <a:pPr>
+              <a:buFont typeface="Arial" panose="020B0604020202020204" pitchFamily="34" charset="0"/>
+              <a:buChar char="•"/>
+            </a:pPr>
+            <a:r>
+              <a:rPr lang="en-GB" dirty="0"/>
+              <a:t>When we apply a </a:t>
+            </a:r>
+            <a:r>
+              <a:rPr lang="en-GB" b="1" dirty="0"/>
+              <a:t>VAE</a:t>
+            </a:r>
+            <a:r>
+              <a:rPr lang="en-GB" dirty="0"/>
+              <a:t>, we are:</a:t>
+            </a:r>
+          </a:p>
+          <a:p>
+            <a:pPr marL="742950" lvl="1" indent="-285750">
+              <a:buFont typeface="Arial" panose="020B0604020202020204" pitchFamily="34" charset="0"/>
+              <a:buChar char="•"/>
+            </a:pPr>
+            <a:r>
+              <a:rPr lang="en-GB" b="1" dirty="0"/>
+              <a:t>Encoding</a:t>
+            </a:r>
+            <a:r>
+              <a:rPr lang="en-GB" dirty="0"/>
+              <a:t> this 8D vector into a smaller latent space (e.g., 4D or 6D).</a:t>
+            </a:r>
+          </a:p>
+          <a:p>
+            <a:r>
+              <a:rPr lang="en-GB" dirty="0" err="1"/>
+              <a:t>LunarLander</a:t>
+            </a:r>
+            <a:r>
+              <a:rPr lang="en-GB" dirty="0"/>
+              <a:t> was due to </a:t>
+            </a:r>
+            <a:r>
+              <a:rPr lang="en-GB" b="1" dirty="0"/>
+              <a:t>information loss during VAE encoding</a:t>
+            </a:r>
+            <a:endParaRPr lang="en-US" dirty="0"/>
+          </a:p>
+        </p:txBody>
+      </p:sp>
+    </p:spTree>
+    <p:extLst>
+      <p:ext uri="{BB962C8B-B14F-4D97-AF65-F5344CB8AC3E}">
+        <p14:creationId xmlns:p14="http://schemas.microsoft.com/office/powerpoint/2010/main" val="1920448553"/>
+      </p:ext>
+    </p:extLst>
+  </p:cSld>
+  <p:clrMapOvr>
+    <a:masterClrMapping/>
+  </p:clrMapOvr>
+</p:sld>
+</file>
+
+<file path=ppt/slides/slide41.xml><?xml version="1.0" encoding="utf-8"?>
+<p:sld xmlns:a="http://schemas.openxmlformats.org/drawingml/2006/main" xmlns:r="http://schemas.openxmlformats.org/officeDocument/2006/relationships" xmlns:p="http://schemas.openxmlformats.org/presentationml/2006/main">
+  <p:cSld>
+    <p:spTree>
+      <p:nvGrpSpPr>
+        <p:cNvPr id="1" name=""/>
+        <p:cNvGrpSpPr/>
+        <p:nvPr/>
+      </p:nvGrpSpPr>
+      <p:grpSpPr>
+        <a:xfrm>
+          <a:off x="0" y="0"/>
+          <a:ext cx="0" cy="0"/>
+          <a:chOff x="0" y="0"/>
+          <a:chExt cx="0" cy="0"/>
+        </a:xfrm>
+      </p:grpSpPr>
+      <p:sp>
+        <p:nvSpPr>
+          <p:cNvPr id="2" name="Title 1">
+            <a:extLst>
+              <a:ext uri="{FF2B5EF4-FFF2-40B4-BE49-F238E27FC236}">
+                <a16:creationId xmlns:a16="http://schemas.microsoft.com/office/drawing/2014/main" id="{4566D585-0505-290D-3B64-8564D85C0597}"/>
+              </a:ext>
+            </a:extLst>
+          </p:cNvPr>
+          <p:cNvSpPr>
+            <a:spLocks noGrp="1"/>
+          </p:cNvSpPr>
+          <p:nvPr>
+            <p:ph type="title"/>
+          </p:nvPr>
+        </p:nvSpPr>
+        <p:spPr/>
+        <p:txBody>
+          <a:bodyPr/>
+          <a:lstStyle/>
+          <a:p>
+            <a:r>
+              <a:rPr lang="en-US" dirty="0"/>
+              <a:t>Why VAE doesn’t improve </a:t>
+            </a:r>
+            <a:r>
+              <a:rPr lang="en-US" dirty="0" err="1"/>
+              <a:t>LunarLander</a:t>
+            </a:r>
+            <a:endParaRPr lang="en-US" dirty="0"/>
+          </a:p>
+        </p:txBody>
+      </p:sp>
+      <p:sp>
+        <p:nvSpPr>
+          <p:cNvPr id="3" name="Content Placeholder 2">
+            <a:extLst>
+              <a:ext uri="{FF2B5EF4-FFF2-40B4-BE49-F238E27FC236}">
+                <a16:creationId xmlns:a16="http://schemas.microsoft.com/office/drawing/2014/main" id="{CFB11573-2DFE-834D-3C96-7A172A36504B}"/>
+              </a:ext>
+            </a:extLst>
+          </p:cNvPr>
+          <p:cNvSpPr>
+            <a:spLocks noGrp="1"/>
+          </p:cNvSpPr>
+          <p:nvPr>
+            <p:ph idx="1"/>
+          </p:nvPr>
+        </p:nvSpPr>
+        <p:spPr/>
+        <p:txBody>
+          <a:bodyPr/>
+          <a:lstStyle/>
+          <a:p>
+            <a:r>
+              <a:rPr lang="en-GB" dirty="0"/>
+              <a:t>Lunar’s state is </a:t>
+            </a:r>
+            <a:r>
+              <a:rPr lang="en-GB" b="1" dirty="0"/>
+              <a:t>already low-dimensional</a:t>
+            </a:r>
+            <a:r>
+              <a:rPr lang="en-GB" dirty="0"/>
+              <a:t> (just 8 features), so reducing it further (e.g., to 4D) is </a:t>
+            </a:r>
+            <a:r>
+              <a:rPr lang="en-GB" b="1" dirty="0"/>
+              <a:t>aggressive</a:t>
+            </a:r>
+            <a:r>
+              <a:rPr lang="en-GB" dirty="0"/>
+              <a:t>.</a:t>
+            </a:r>
+          </a:p>
+          <a:p>
+            <a:pPr marL="0" indent="0">
+              <a:buNone/>
+            </a:pPr>
+            <a:endParaRPr lang="en-GB" dirty="0"/>
+          </a:p>
+          <a:p>
+            <a:pPr marL="0" indent="0">
+              <a:buNone/>
+            </a:pPr>
+            <a:r>
+              <a:rPr lang="en-GB" dirty="0"/>
+              <a:t>This means:</a:t>
+            </a:r>
+          </a:p>
+          <a:p>
+            <a:pPr>
+              <a:buFont typeface="Arial" panose="020B0604020202020204" pitchFamily="34" charset="0"/>
+              <a:buChar char="•"/>
+            </a:pPr>
+            <a:r>
+              <a:rPr lang="en-GB" b="1" dirty="0"/>
+              <a:t>Some detail will be lost</a:t>
+            </a:r>
+            <a:r>
+              <a:rPr lang="en-GB" dirty="0"/>
+              <a:t>, especially subtle dynamics (e.g., leg contacts, fine velocity changes).</a:t>
+            </a:r>
+          </a:p>
+          <a:p>
+            <a:pPr>
+              <a:buFont typeface="Arial" panose="020B0604020202020204" pitchFamily="34" charset="0"/>
+              <a:buChar char="•"/>
+            </a:pPr>
+            <a:r>
+              <a:rPr lang="en-GB" dirty="0"/>
+              <a:t>The agent trained on compressed states may perform worse unless the latent space captures the </a:t>
+            </a:r>
+            <a:r>
+              <a:rPr lang="en-GB" b="1" dirty="0"/>
+              <a:t>right structure</a:t>
+            </a:r>
+            <a:r>
+              <a:rPr lang="en-GB" dirty="0"/>
+              <a:t>.</a:t>
+            </a:r>
+          </a:p>
+        </p:txBody>
+      </p:sp>
+    </p:spTree>
+    <p:extLst>
+      <p:ext uri="{BB962C8B-B14F-4D97-AF65-F5344CB8AC3E}">
+        <p14:creationId xmlns:p14="http://schemas.microsoft.com/office/powerpoint/2010/main" val="3943317287"/>
+      </p:ext>
+    </p:extLst>
+  </p:cSld>
+  <p:clrMapOvr>
+    <a:masterClrMapping/>
+  </p:clrMapOvr>
+</p:sld>
+</file>
+
+<file path=ppt/slides/slide42.xml><?xml version="1.0" encoding="utf-8"?>
+<p:sld xmlns:a="http://schemas.openxmlformats.org/drawingml/2006/main" xmlns:r="http://schemas.openxmlformats.org/officeDocument/2006/relationships" xmlns:p="http://schemas.openxmlformats.org/presentationml/2006/main">
+  <p:cSld>
+    <p:spTree>
+      <p:nvGrpSpPr>
+        <p:cNvPr id="1" name=""/>
+        <p:cNvGrpSpPr/>
+        <p:nvPr/>
+      </p:nvGrpSpPr>
+      <p:grpSpPr>
+        <a:xfrm>
+          <a:off x="0" y="0"/>
+          <a:ext cx="0" cy="0"/>
+          <a:chOff x="0" y="0"/>
+          <a:chExt cx="0" cy="0"/>
+        </a:xfrm>
+      </p:grpSpPr>
+      <p:sp>
+        <p:nvSpPr>
+          <p:cNvPr id="2" name="Title 1">
+            <a:extLst>
+              <a:ext uri="{FF2B5EF4-FFF2-40B4-BE49-F238E27FC236}">
+                <a16:creationId xmlns:a16="http://schemas.microsoft.com/office/drawing/2014/main" id="{C46CFCDE-3DDA-A591-9102-857210F09D36}"/>
+              </a:ext>
+            </a:extLst>
+          </p:cNvPr>
+          <p:cNvSpPr>
+            <a:spLocks noGrp="1"/>
+          </p:cNvSpPr>
+          <p:nvPr>
+            <p:ph type="title"/>
+          </p:nvPr>
+        </p:nvSpPr>
+        <p:spPr/>
+        <p:txBody>
+          <a:bodyPr/>
+          <a:lstStyle/>
+          <a:p>
+            <a:r>
+              <a:rPr lang="en-GB" dirty="0"/>
+              <a:t>Evaluating State Reconstruction</a:t>
+            </a:r>
+            <a:endParaRPr lang="en-US" dirty="0"/>
+          </a:p>
+        </p:txBody>
+      </p:sp>
+      <p:sp>
+        <p:nvSpPr>
+          <p:cNvPr id="3" name="Content Placeholder 2">
+            <a:extLst>
+              <a:ext uri="{FF2B5EF4-FFF2-40B4-BE49-F238E27FC236}">
+                <a16:creationId xmlns:a16="http://schemas.microsoft.com/office/drawing/2014/main" id="{5B323B0D-5913-AD3A-B83C-709471AC9059}"/>
+              </a:ext>
+            </a:extLst>
+          </p:cNvPr>
+          <p:cNvSpPr>
+            <a:spLocks noGrp="1"/>
+          </p:cNvSpPr>
+          <p:nvPr>
+            <p:ph idx="1"/>
+          </p:nvPr>
+        </p:nvSpPr>
+        <p:spPr/>
+        <p:txBody>
+          <a:bodyPr/>
+          <a:lstStyle/>
+          <a:p>
+            <a:pPr marL="0" indent="0">
+              <a:buNone/>
+            </a:pPr>
+            <a:r>
+              <a:rPr lang="en-GB" dirty="0"/>
+              <a:t>To </a:t>
+            </a:r>
+            <a:r>
+              <a:rPr lang="en-GB" b="1" dirty="0"/>
+              <a:t>verify our hypothesis</a:t>
+            </a:r>
+            <a:r>
+              <a:rPr lang="en-GB" dirty="0"/>
+              <a:t> that performance degradation in </a:t>
+            </a:r>
+            <a:r>
+              <a:rPr lang="en-GB" dirty="0" err="1"/>
+              <a:t>LunarLander</a:t>
+            </a:r>
+            <a:r>
+              <a:rPr lang="en-GB" dirty="0"/>
+              <a:t> was due to </a:t>
+            </a:r>
+            <a:r>
+              <a:rPr lang="en-GB" b="1" dirty="0"/>
+              <a:t>information loss during VAE encoding</a:t>
+            </a:r>
+            <a:r>
+              <a:rPr lang="en-GB" dirty="0"/>
+              <a:t>, and </a:t>
+            </a:r>
+            <a:r>
+              <a:rPr lang="en-GB" b="1" dirty="0"/>
+              <a:t>that applying dimensionality reduction on already low-dimensional environments like </a:t>
+            </a:r>
+            <a:r>
+              <a:rPr lang="en-GB" b="1" dirty="0" err="1"/>
+              <a:t>LunarLander</a:t>
+            </a:r>
+            <a:r>
+              <a:rPr lang="en-GB" b="1" dirty="0"/>
+              <a:t> can lead to significant information loss – </a:t>
+            </a:r>
+          </a:p>
+          <a:p>
+            <a:r>
+              <a:rPr lang="en-GB" dirty="0"/>
+              <a:t>Reconstructed a few sample states using trained VAEs with 4D and 6D latent spaces.</a:t>
+            </a:r>
+          </a:p>
+          <a:p>
+            <a:r>
+              <a:rPr lang="en-GB" dirty="0"/>
+              <a:t>Compared the reconstructed states to the </a:t>
+            </a:r>
+            <a:r>
+              <a:rPr lang="en-GB" b="1" dirty="0"/>
+              <a:t>original states</a:t>
+            </a:r>
+            <a:r>
+              <a:rPr lang="en-GB" dirty="0"/>
+              <a:t> across each feature dimension (e.g., position, velocity, angles, etc.).</a:t>
+            </a:r>
+          </a:p>
+          <a:p>
+            <a:r>
+              <a:rPr lang="en-GB" b="1" dirty="0"/>
+              <a:t>Visualized these side-by-side</a:t>
+            </a:r>
+            <a:r>
+              <a:rPr lang="en-GB" dirty="0"/>
+              <a:t> to observe how much each VAE model altered or discarded critical information.</a:t>
+            </a:r>
+          </a:p>
+          <a:p>
+            <a:pPr marL="0" indent="0">
+              <a:buNone/>
+            </a:pPr>
+            <a:endParaRPr lang="en-US" dirty="0"/>
+          </a:p>
+        </p:txBody>
+      </p:sp>
+    </p:spTree>
+    <p:extLst>
+      <p:ext uri="{BB962C8B-B14F-4D97-AF65-F5344CB8AC3E}">
+        <p14:creationId xmlns:p14="http://schemas.microsoft.com/office/powerpoint/2010/main" val="690889993"/>
+      </p:ext>
+    </p:extLst>
+  </p:cSld>
+  <p:clrMapOvr>
+    <a:masterClrMapping/>
+  </p:clrMapOvr>
+</p:sld>
+</file>
+
+<file path=ppt/slides/slide43.xml><?xml version="1.0" encoding="utf-8"?>
+<p:sld xmlns:a="http://schemas.openxmlformats.org/drawingml/2006/main" xmlns:r="http://schemas.openxmlformats.org/officeDocument/2006/relationships" xmlns:p="http://schemas.openxmlformats.org/presentationml/2006/main">
+  <p:cSld>
+    <p:spTree>
+      <p:nvGrpSpPr>
+        <p:cNvPr id="1" name=""/>
+        <p:cNvGrpSpPr/>
+        <p:nvPr/>
+      </p:nvGrpSpPr>
+      <p:grpSpPr>
+        <a:xfrm>
+          <a:off x="0" y="0"/>
+          <a:ext cx="0" cy="0"/>
+          <a:chOff x="0" y="0"/>
+          <a:chExt cx="0" cy="0"/>
+        </a:xfrm>
+      </p:grpSpPr>
+      <p:sp>
+        <p:nvSpPr>
+          <p:cNvPr id="2" name="Title 1">
+            <a:extLst>
+              <a:ext uri="{FF2B5EF4-FFF2-40B4-BE49-F238E27FC236}">
+                <a16:creationId xmlns:a16="http://schemas.microsoft.com/office/drawing/2014/main" id="{EEF3AF08-4CD5-BA77-FC80-E99218A375D2}"/>
+              </a:ext>
+            </a:extLst>
+          </p:cNvPr>
+          <p:cNvSpPr>
+            <a:spLocks noGrp="1"/>
+          </p:cNvSpPr>
+          <p:nvPr>
+            <p:ph type="title"/>
+          </p:nvPr>
+        </p:nvSpPr>
+        <p:spPr/>
+        <p:txBody>
+          <a:bodyPr/>
+          <a:lstStyle/>
+          <a:p>
+            <a:r>
+              <a:rPr lang="en-GB" dirty="0"/>
+              <a:t>Evaluating State Reconstruction – Sample 1</a:t>
+            </a:r>
+            <a:endParaRPr lang="en-US" dirty="0"/>
+          </a:p>
+        </p:txBody>
+      </p:sp>
+      <p:sp>
+        <p:nvSpPr>
+          <p:cNvPr id="3" name="Content Placeholder 2">
+            <a:extLst>
+              <a:ext uri="{FF2B5EF4-FFF2-40B4-BE49-F238E27FC236}">
+                <a16:creationId xmlns:a16="http://schemas.microsoft.com/office/drawing/2014/main" id="{8EE8156B-8A24-EB5F-8627-875F2AAAE2A6}"/>
+              </a:ext>
+            </a:extLst>
+          </p:cNvPr>
+          <p:cNvSpPr>
+            <a:spLocks noGrp="1"/>
+          </p:cNvSpPr>
+          <p:nvPr>
+            <p:ph idx="1"/>
+          </p:nvPr>
+        </p:nvSpPr>
+        <p:spPr>
+          <a:xfrm>
+            <a:off x="9302496" y="2468881"/>
+            <a:ext cx="2667424" cy="3169920"/>
+          </a:xfrm>
+        </p:spPr>
+        <p:txBody>
+          <a:bodyPr>
+            <a:normAutofit fontScale="70000" lnSpcReduction="20000"/>
+          </a:bodyPr>
+          <a:lstStyle/>
+          <a:p>
+            <a:pPr marL="0" indent="0">
+              <a:buNone/>
+            </a:pPr>
+            <a:r>
+              <a:rPr lang="en-GB" dirty="0"/>
+              <a:t>The charts above visualize the </a:t>
+            </a:r>
+            <a:r>
+              <a:rPr lang="en-GB" b="1" dirty="0"/>
+              <a:t>reconstruction accuracy of the VAE</a:t>
+            </a:r>
+            <a:r>
+              <a:rPr lang="en-GB" dirty="0"/>
+              <a:t> on five individual state samples randomly taken from the offline dataset. Each sample represents a full 8D state vector from one timestep of the environment. The blue line represents the original normalized state, while the orange and green lines show the reconstructions from 6D and 4D VAE models, respectively.</a:t>
+            </a:r>
+            <a:endParaRPr lang="en-US" dirty="0"/>
+          </a:p>
+        </p:txBody>
+      </p:sp>
+      <p:pic>
+        <p:nvPicPr>
+          <p:cNvPr id="5" name="Picture 4" descr="A graph with lines and dots&#10;&#10;Description automatically generated">
+            <a:extLst>
+              <a:ext uri="{FF2B5EF4-FFF2-40B4-BE49-F238E27FC236}">
+                <a16:creationId xmlns:a16="http://schemas.microsoft.com/office/drawing/2014/main" id="{F5076029-9898-334D-5827-6E3FBE98846E}"/>
+              </a:ext>
+            </a:extLst>
+          </p:cNvPr>
+          <p:cNvPicPr>
+            <a:picLocks noChangeAspect="1"/>
+          </p:cNvPicPr>
+          <p:nvPr/>
+        </p:nvPicPr>
+        <p:blipFill>
+          <a:blip r:embed="rId2"/>
+          <a:stretch>
+            <a:fillRect/>
+          </a:stretch>
+        </p:blipFill>
+        <p:spPr>
+          <a:xfrm>
+            <a:off x="201167" y="2468881"/>
+            <a:ext cx="8991595" cy="3596638"/>
+          </a:xfrm>
+          <a:prstGeom prst="rect">
+            <a:avLst/>
+          </a:prstGeom>
+        </p:spPr>
+      </p:pic>
+    </p:spTree>
+    <p:extLst>
+      <p:ext uri="{BB962C8B-B14F-4D97-AF65-F5344CB8AC3E}">
+        <p14:creationId xmlns:p14="http://schemas.microsoft.com/office/powerpoint/2010/main" val="3000769316"/>
+      </p:ext>
+    </p:extLst>
+  </p:cSld>
+  <p:clrMapOvr>
+    <a:masterClrMapping/>
+  </p:clrMapOvr>
+</p:sld>
+</file>
+
+<file path=ppt/slides/slide44.xml><?xml version="1.0" encoding="utf-8"?>
+<p:sld xmlns:a="http://schemas.openxmlformats.org/drawingml/2006/main" xmlns:r="http://schemas.openxmlformats.org/officeDocument/2006/relationships" xmlns:p="http://schemas.openxmlformats.org/presentationml/2006/main">
+  <p:cSld>
+    <p:spTree>
+      <p:nvGrpSpPr>
+        <p:cNvPr id="1" name=""/>
+        <p:cNvGrpSpPr/>
+        <p:nvPr/>
+      </p:nvGrpSpPr>
+      <p:grpSpPr>
+        <a:xfrm>
+          <a:off x="0" y="0"/>
+          <a:ext cx="0" cy="0"/>
+          <a:chOff x="0" y="0"/>
+          <a:chExt cx="0" cy="0"/>
+        </a:xfrm>
+      </p:grpSpPr>
+      <p:sp>
+        <p:nvSpPr>
+          <p:cNvPr id="2" name="Title 1">
+            <a:extLst>
+              <a:ext uri="{FF2B5EF4-FFF2-40B4-BE49-F238E27FC236}">
+                <a16:creationId xmlns:a16="http://schemas.microsoft.com/office/drawing/2014/main" id="{F8B96AAF-EF8F-528F-D6FA-FD2161FF5055}"/>
+              </a:ext>
+            </a:extLst>
+          </p:cNvPr>
+          <p:cNvSpPr>
+            <a:spLocks noGrp="1"/>
+          </p:cNvSpPr>
+          <p:nvPr>
+            <p:ph type="title"/>
+          </p:nvPr>
+        </p:nvSpPr>
+        <p:spPr/>
+        <p:txBody>
+          <a:bodyPr/>
+          <a:lstStyle/>
+          <a:p>
+            <a:r>
+              <a:rPr lang="en-GB" dirty="0"/>
+              <a:t>Evaluating State Reconstruction - Sample 2</a:t>
+            </a:r>
+            <a:endParaRPr lang="en-US" dirty="0"/>
+          </a:p>
+        </p:txBody>
+      </p:sp>
+      <p:pic>
+        <p:nvPicPr>
+          <p:cNvPr id="5" name="Picture 4" descr="A graph with lines and dots&#10;&#10;Description automatically generated">
+            <a:extLst>
+              <a:ext uri="{FF2B5EF4-FFF2-40B4-BE49-F238E27FC236}">
+                <a16:creationId xmlns:a16="http://schemas.microsoft.com/office/drawing/2014/main" id="{91979407-FAD7-C3DD-92DB-4D0686BD9AB4}"/>
+              </a:ext>
+            </a:extLst>
+          </p:cNvPr>
+          <p:cNvPicPr>
+            <a:picLocks noChangeAspect="1"/>
+          </p:cNvPicPr>
+          <p:nvPr/>
+        </p:nvPicPr>
+        <p:blipFill>
+          <a:blip r:embed="rId2"/>
+          <a:stretch>
+            <a:fillRect/>
+          </a:stretch>
+        </p:blipFill>
+        <p:spPr>
+          <a:xfrm>
+            <a:off x="1036320" y="2636520"/>
+            <a:ext cx="9380220" cy="3752088"/>
+          </a:xfrm>
+          <a:prstGeom prst="rect">
+            <a:avLst/>
+          </a:prstGeom>
+        </p:spPr>
+      </p:pic>
+    </p:spTree>
+    <p:extLst>
+      <p:ext uri="{BB962C8B-B14F-4D97-AF65-F5344CB8AC3E}">
+        <p14:creationId xmlns:p14="http://schemas.microsoft.com/office/powerpoint/2010/main" val="4007935753"/>
+      </p:ext>
+    </p:extLst>
+  </p:cSld>
+  <p:clrMapOvr>
+    <a:masterClrMapping/>
+  </p:clrMapOvr>
+</p:sld>
+</file>
+
+<file path=ppt/slides/slide45.xml><?xml version="1.0" encoding="utf-8"?>
+<p:sld xmlns:a="http://schemas.openxmlformats.org/drawingml/2006/main" xmlns:r="http://schemas.openxmlformats.org/officeDocument/2006/relationships" xmlns:p="http://schemas.openxmlformats.org/presentationml/2006/main">
+  <p:cSld>
+    <p:spTree>
+      <p:nvGrpSpPr>
+        <p:cNvPr id="1" name=""/>
+        <p:cNvGrpSpPr/>
+        <p:nvPr/>
+      </p:nvGrpSpPr>
+      <p:grpSpPr>
+        <a:xfrm>
+          <a:off x="0" y="0"/>
+          <a:ext cx="0" cy="0"/>
+          <a:chOff x="0" y="0"/>
+          <a:chExt cx="0" cy="0"/>
+        </a:xfrm>
+      </p:grpSpPr>
+      <p:sp>
+        <p:nvSpPr>
+          <p:cNvPr id="2" name="Title 1">
+            <a:extLst>
+              <a:ext uri="{FF2B5EF4-FFF2-40B4-BE49-F238E27FC236}">
+                <a16:creationId xmlns:a16="http://schemas.microsoft.com/office/drawing/2014/main" id="{9DD78C02-B0B9-DCAA-1CAB-C271D5A101A9}"/>
+              </a:ext>
+            </a:extLst>
+          </p:cNvPr>
+          <p:cNvSpPr>
+            <a:spLocks noGrp="1"/>
+          </p:cNvSpPr>
+          <p:nvPr>
+            <p:ph type="title"/>
+          </p:nvPr>
+        </p:nvSpPr>
+        <p:spPr/>
+        <p:txBody>
+          <a:bodyPr/>
+          <a:lstStyle/>
+          <a:p>
+            <a:r>
+              <a:rPr lang="en-GB" dirty="0"/>
+              <a:t>Evaluating State Reconstruction - Sample 3</a:t>
+            </a:r>
+            <a:endParaRPr lang="en-US" dirty="0"/>
+          </a:p>
+        </p:txBody>
+      </p:sp>
+      <p:pic>
+        <p:nvPicPr>
+          <p:cNvPr id="5" name="Picture 4" descr="A graph with lines and dots&#10;&#10;Description automatically generated">
+            <a:extLst>
+              <a:ext uri="{FF2B5EF4-FFF2-40B4-BE49-F238E27FC236}">
+                <a16:creationId xmlns:a16="http://schemas.microsoft.com/office/drawing/2014/main" id="{C60D561E-239E-7301-BD77-340B379F6893}"/>
+              </a:ext>
+            </a:extLst>
+          </p:cNvPr>
+          <p:cNvPicPr>
+            <a:picLocks noChangeAspect="1"/>
+          </p:cNvPicPr>
+          <p:nvPr/>
+        </p:nvPicPr>
+        <p:blipFill>
+          <a:blip r:embed="rId2"/>
+          <a:stretch>
+            <a:fillRect/>
+          </a:stretch>
+        </p:blipFill>
+        <p:spPr>
+          <a:xfrm>
+            <a:off x="987552" y="2660903"/>
+            <a:ext cx="9985248" cy="3994099"/>
+          </a:xfrm>
+          <a:prstGeom prst="rect">
+            <a:avLst/>
+          </a:prstGeom>
+        </p:spPr>
+      </p:pic>
+    </p:spTree>
+    <p:extLst>
+      <p:ext uri="{BB962C8B-B14F-4D97-AF65-F5344CB8AC3E}">
+        <p14:creationId xmlns:p14="http://schemas.microsoft.com/office/powerpoint/2010/main" val="707599038"/>
+      </p:ext>
+    </p:extLst>
+  </p:cSld>
+  <p:clrMapOvr>
+    <a:masterClrMapping/>
+  </p:clrMapOvr>
+</p:sld>
+</file>
+
+<file path=ppt/slides/slide46.xml><?xml version="1.0" encoding="utf-8"?>
+<p:sld xmlns:a="http://schemas.openxmlformats.org/drawingml/2006/main" xmlns:r="http://schemas.openxmlformats.org/officeDocument/2006/relationships" xmlns:p="http://schemas.openxmlformats.org/presentationml/2006/main">
+  <p:cSld>
+    <p:spTree>
+      <p:nvGrpSpPr>
+        <p:cNvPr id="1" name=""/>
+        <p:cNvGrpSpPr/>
+        <p:nvPr/>
+      </p:nvGrpSpPr>
+      <p:grpSpPr>
+        <a:xfrm>
+          <a:off x="0" y="0"/>
+          <a:ext cx="0" cy="0"/>
+          <a:chOff x="0" y="0"/>
+          <a:chExt cx="0" cy="0"/>
+        </a:xfrm>
+      </p:grpSpPr>
+      <p:sp>
+        <p:nvSpPr>
+          <p:cNvPr id="2" name="Title 1">
+            <a:extLst>
+              <a:ext uri="{FF2B5EF4-FFF2-40B4-BE49-F238E27FC236}">
+                <a16:creationId xmlns:a16="http://schemas.microsoft.com/office/drawing/2014/main" id="{F4E75248-6516-C5CE-1B67-B40BD6D72D79}"/>
+              </a:ext>
+            </a:extLst>
+          </p:cNvPr>
+          <p:cNvSpPr>
+            <a:spLocks noGrp="1"/>
+          </p:cNvSpPr>
+          <p:nvPr>
+            <p:ph type="title"/>
+          </p:nvPr>
+        </p:nvSpPr>
+        <p:spPr/>
+        <p:txBody>
+          <a:bodyPr/>
+          <a:lstStyle/>
+          <a:p>
+            <a:r>
+              <a:rPr lang="en-GB" dirty="0"/>
+              <a:t>Evaluating State Reconstruction - Sample 4</a:t>
+            </a:r>
+            <a:endParaRPr lang="en-US" dirty="0"/>
+          </a:p>
+        </p:txBody>
+      </p:sp>
+      <p:pic>
+        <p:nvPicPr>
+          <p:cNvPr id="5" name="Picture 4" descr="A graph with lines and dots&#10;&#10;Description automatically generated">
+            <a:extLst>
+              <a:ext uri="{FF2B5EF4-FFF2-40B4-BE49-F238E27FC236}">
+                <a16:creationId xmlns:a16="http://schemas.microsoft.com/office/drawing/2014/main" id="{10C20499-9660-0A1D-9D7D-D2325BFCC90B}"/>
+              </a:ext>
+            </a:extLst>
+          </p:cNvPr>
+          <p:cNvPicPr>
+            <a:picLocks noChangeAspect="1"/>
+          </p:cNvPicPr>
+          <p:nvPr/>
+        </p:nvPicPr>
+        <p:blipFill>
+          <a:blip r:embed="rId2"/>
+          <a:stretch>
+            <a:fillRect/>
+          </a:stretch>
+        </p:blipFill>
+        <p:spPr>
+          <a:xfrm>
+            <a:off x="640079" y="2563368"/>
+            <a:ext cx="10370820" cy="4148328"/>
+          </a:xfrm>
+          <a:prstGeom prst="rect">
+            <a:avLst/>
+          </a:prstGeom>
+        </p:spPr>
+      </p:pic>
+    </p:spTree>
+    <p:extLst>
+      <p:ext uri="{BB962C8B-B14F-4D97-AF65-F5344CB8AC3E}">
+        <p14:creationId xmlns:p14="http://schemas.microsoft.com/office/powerpoint/2010/main" val="2231517364"/>
+      </p:ext>
+    </p:extLst>
+  </p:cSld>
+  <p:clrMapOvr>
+    <a:masterClrMapping/>
+  </p:clrMapOvr>
+</p:sld>
+</file>
+
+<file path=ppt/slides/slide47.xml><?xml version="1.0" encoding="utf-8"?>
+<p:sld xmlns:a="http://schemas.openxmlformats.org/drawingml/2006/main" xmlns:r="http://schemas.openxmlformats.org/officeDocument/2006/relationships" xmlns:p="http://schemas.openxmlformats.org/presentationml/2006/main">
+  <p:cSld>
+    <p:spTree>
+      <p:nvGrpSpPr>
+        <p:cNvPr id="1" name=""/>
+        <p:cNvGrpSpPr/>
+        <p:nvPr/>
+      </p:nvGrpSpPr>
+      <p:grpSpPr>
+        <a:xfrm>
+          <a:off x="0" y="0"/>
+          <a:ext cx="0" cy="0"/>
+          <a:chOff x="0" y="0"/>
+          <a:chExt cx="0" cy="0"/>
+        </a:xfrm>
+      </p:grpSpPr>
+      <p:sp>
+        <p:nvSpPr>
+          <p:cNvPr id="2" name="Title 1">
+            <a:extLst>
+              <a:ext uri="{FF2B5EF4-FFF2-40B4-BE49-F238E27FC236}">
+                <a16:creationId xmlns:a16="http://schemas.microsoft.com/office/drawing/2014/main" id="{4489B29D-5B84-4C10-EA91-8A0CD74EB526}"/>
+              </a:ext>
+            </a:extLst>
+          </p:cNvPr>
+          <p:cNvSpPr>
+            <a:spLocks noGrp="1"/>
+          </p:cNvSpPr>
+          <p:nvPr>
+            <p:ph type="title"/>
+          </p:nvPr>
+        </p:nvSpPr>
+        <p:spPr/>
+        <p:txBody>
+          <a:bodyPr/>
+          <a:lstStyle/>
+          <a:p>
+            <a:r>
+              <a:rPr lang="en-GB" dirty="0"/>
+              <a:t>Evaluating State Reconstruction - Sample 5</a:t>
+            </a:r>
+            <a:endParaRPr lang="en-US" dirty="0"/>
+          </a:p>
+        </p:txBody>
+      </p:sp>
+      <p:pic>
+        <p:nvPicPr>
+          <p:cNvPr id="5" name="Picture 4" descr="A graph with lines and dots&#10;&#10;Description automatically generated">
+            <a:extLst>
+              <a:ext uri="{FF2B5EF4-FFF2-40B4-BE49-F238E27FC236}">
+                <a16:creationId xmlns:a16="http://schemas.microsoft.com/office/drawing/2014/main" id="{FC35AA1A-9EA3-123B-BE0C-76ECE4AEF353}"/>
+              </a:ext>
+            </a:extLst>
+          </p:cNvPr>
+          <p:cNvPicPr>
+            <a:picLocks noChangeAspect="1"/>
+          </p:cNvPicPr>
+          <p:nvPr/>
+        </p:nvPicPr>
+        <p:blipFill>
+          <a:blip r:embed="rId2"/>
+          <a:stretch>
+            <a:fillRect/>
+          </a:stretch>
+        </p:blipFill>
+        <p:spPr>
+          <a:xfrm>
+            <a:off x="963168" y="2663952"/>
+            <a:ext cx="10104120" cy="4041648"/>
+          </a:xfrm>
+          <a:prstGeom prst="rect">
+            <a:avLst/>
+          </a:prstGeom>
+        </p:spPr>
+      </p:pic>
+    </p:spTree>
+    <p:extLst>
+      <p:ext uri="{BB962C8B-B14F-4D97-AF65-F5344CB8AC3E}">
+        <p14:creationId xmlns:p14="http://schemas.microsoft.com/office/powerpoint/2010/main" val="1733167735"/>
+      </p:ext>
+    </p:extLst>
+  </p:cSld>
+  <p:clrMapOvr>
+    <a:masterClrMapping/>
+  </p:clrMapOvr>
+</p:sld>
+</file>
+
+<file path=ppt/slides/slide48.xml><?xml version="1.0" encoding="utf-8"?>
+<p:sld xmlns:a="http://schemas.openxmlformats.org/drawingml/2006/main" xmlns:r="http://schemas.openxmlformats.org/officeDocument/2006/relationships" xmlns:p="http://schemas.openxmlformats.org/presentationml/2006/main">
+  <p:cSld>
+    <p:spTree>
+      <p:nvGrpSpPr>
+        <p:cNvPr id="1" name=""/>
+        <p:cNvGrpSpPr/>
+        <p:nvPr/>
+      </p:nvGrpSpPr>
+      <p:grpSpPr>
+        <a:xfrm>
+          <a:off x="0" y="0"/>
+          <a:ext cx="0" cy="0"/>
+          <a:chOff x="0" y="0"/>
+          <a:chExt cx="0" cy="0"/>
+        </a:xfrm>
+      </p:grpSpPr>
+      <p:sp>
+        <p:nvSpPr>
+          <p:cNvPr id="2" name="Title 1">
+            <a:extLst>
+              <a:ext uri="{FF2B5EF4-FFF2-40B4-BE49-F238E27FC236}">
+                <a16:creationId xmlns:a16="http://schemas.microsoft.com/office/drawing/2014/main" id="{F1CF6D39-1C96-B255-3F1B-F9783F7DD26D}"/>
+              </a:ext>
+            </a:extLst>
+          </p:cNvPr>
+          <p:cNvSpPr>
+            <a:spLocks noGrp="1"/>
+          </p:cNvSpPr>
+          <p:nvPr>
+            <p:ph type="title"/>
+          </p:nvPr>
+        </p:nvSpPr>
+        <p:spPr/>
+        <p:txBody>
+          <a:bodyPr>
+            <a:normAutofit fontScale="90000"/>
+          </a:bodyPr>
+          <a:lstStyle/>
+          <a:p>
+            <a:r>
+              <a:rPr lang="en-GB" dirty="0"/>
+              <a:t>Evaluating State Reconstruction - Interpretation</a:t>
+            </a:r>
+            <a:endParaRPr lang="en-US" dirty="0"/>
+          </a:p>
+        </p:txBody>
+      </p:sp>
+      <p:sp>
+        <p:nvSpPr>
+          <p:cNvPr id="3" name="Content Placeholder 2">
+            <a:extLst>
+              <a:ext uri="{FF2B5EF4-FFF2-40B4-BE49-F238E27FC236}">
+                <a16:creationId xmlns:a16="http://schemas.microsoft.com/office/drawing/2014/main" id="{B4A720DC-7F85-0E9A-E50F-C2E01EA16E3D}"/>
+              </a:ext>
+            </a:extLst>
+          </p:cNvPr>
+          <p:cNvSpPr>
+            <a:spLocks noGrp="1"/>
+          </p:cNvSpPr>
+          <p:nvPr>
+            <p:ph idx="1"/>
+          </p:nvPr>
+        </p:nvSpPr>
+        <p:spPr/>
+        <p:txBody>
+          <a:bodyPr/>
+          <a:lstStyle/>
+          <a:p>
+            <a:pPr marL="0" indent="0">
+              <a:buNone/>
+            </a:pPr>
+            <a:r>
+              <a:rPr lang="en-GB" dirty="0"/>
+              <a:t>These visual results </a:t>
+            </a:r>
+            <a:r>
+              <a:rPr lang="en-GB" b="1" dirty="0"/>
+              <a:t>confirms the issue </a:t>
+            </a:r>
+            <a:r>
+              <a:rPr lang="en-GB" dirty="0"/>
+              <a:t>: compressing an already compact state space can degrade representational quality, potentially impeding the agent’s ability to learn meaningful policies. Thus, while VAE could offer generalization benefits in high-dimensional domains, </a:t>
+            </a:r>
+            <a:r>
+              <a:rPr lang="en-GB" b="1" dirty="0"/>
+              <a:t>their use in low-dimensional problems like </a:t>
+            </a:r>
+            <a:r>
+              <a:rPr lang="en-GB" b="1" dirty="0" err="1"/>
+              <a:t>LunarLander</a:t>
+            </a:r>
+            <a:r>
+              <a:rPr lang="en-GB" b="1" dirty="0"/>
+              <a:t> doesn’t improve sample efficiency due to information loss</a:t>
+            </a:r>
+            <a:r>
+              <a:rPr lang="en-GB" dirty="0"/>
+              <a:t>.</a:t>
+            </a:r>
+          </a:p>
+        </p:txBody>
+      </p:sp>
+    </p:spTree>
+    <p:extLst>
+      <p:ext uri="{BB962C8B-B14F-4D97-AF65-F5344CB8AC3E}">
+        <p14:creationId xmlns:p14="http://schemas.microsoft.com/office/powerpoint/2010/main" val="2445830451"/>
       </p:ext>
     </p:extLst>
   </p:cSld>
